--- a/images/theory_analysis/SAML_2.0/SAML_2.0.pptx
+++ b/images/theory_analysis/SAML_2.0/SAML_2.0.pptx
@@ -217,7 +217,7 @@
           <a:p>
             <a:fld id="{6CD5550B-26C4-49A9-A5BA-636EF7BE6CE9}" type="datetimeFigureOut">
               <a:rPr lang="ko-KR" altLang="en-US" smtClean="0"/>
-              <a:t>2020-06-25</a:t>
+              <a:t>2020-06-27</a:t>
             </a:fld>
             <a:endParaRPr lang="ko-KR" altLang="en-US"/>
           </a:p>
@@ -747,7 +747,7 @@
           <a:p>
             <a:fld id="{FB30EDBD-1C2D-4C1E-B459-B60219FAB484}" type="datetimeFigureOut">
               <a:rPr lang="ko-KR" altLang="en-US" smtClean="0"/>
-              <a:t>2020-06-25</a:t>
+              <a:t>2020-06-27</a:t>
             </a:fld>
             <a:endParaRPr lang="ko-KR" altLang="en-US"/>
           </a:p>
@@ -910,7 +910,7 @@
           <a:p>
             <a:fld id="{FB30EDBD-1C2D-4C1E-B459-B60219FAB484}" type="datetimeFigureOut">
               <a:rPr lang="ko-KR" altLang="en-US" smtClean="0"/>
-              <a:t>2020-06-25</a:t>
+              <a:t>2020-06-27</a:t>
             </a:fld>
             <a:endParaRPr lang="ko-KR" altLang="en-US"/>
           </a:p>
@@ -1083,7 +1083,7 @@
           <a:p>
             <a:fld id="{FB30EDBD-1C2D-4C1E-B459-B60219FAB484}" type="datetimeFigureOut">
               <a:rPr lang="ko-KR" altLang="en-US" smtClean="0"/>
-              <a:t>2020-06-25</a:t>
+              <a:t>2020-06-27</a:t>
             </a:fld>
             <a:endParaRPr lang="ko-KR" altLang="en-US"/>
           </a:p>
@@ -1246,7 +1246,7 @@
           <a:p>
             <a:fld id="{FB30EDBD-1C2D-4C1E-B459-B60219FAB484}" type="datetimeFigureOut">
               <a:rPr lang="ko-KR" altLang="en-US" smtClean="0"/>
-              <a:t>2020-06-25</a:t>
+              <a:t>2020-06-27</a:t>
             </a:fld>
             <a:endParaRPr lang="ko-KR" altLang="en-US"/>
           </a:p>
@@ -1486,7 +1486,7 @@
           <a:p>
             <a:fld id="{FB30EDBD-1C2D-4C1E-B459-B60219FAB484}" type="datetimeFigureOut">
               <a:rPr lang="ko-KR" altLang="en-US" smtClean="0"/>
-              <a:t>2020-06-25</a:t>
+              <a:t>2020-06-27</a:t>
             </a:fld>
             <a:endParaRPr lang="ko-KR" altLang="en-US"/>
           </a:p>
@@ -1766,7 +1766,7 @@
           <a:p>
             <a:fld id="{FB30EDBD-1C2D-4C1E-B459-B60219FAB484}" type="datetimeFigureOut">
               <a:rPr lang="ko-KR" altLang="en-US" smtClean="0"/>
-              <a:t>2020-06-25</a:t>
+              <a:t>2020-06-27</a:t>
             </a:fld>
             <a:endParaRPr lang="ko-KR" altLang="en-US"/>
           </a:p>
@@ -2180,7 +2180,7 @@
           <a:p>
             <a:fld id="{FB30EDBD-1C2D-4C1E-B459-B60219FAB484}" type="datetimeFigureOut">
               <a:rPr lang="ko-KR" altLang="en-US" smtClean="0"/>
-              <a:t>2020-06-25</a:t>
+              <a:t>2020-06-27</a:t>
             </a:fld>
             <a:endParaRPr lang="ko-KR" altLang="en-US"/>
           </a:p>
@@ -2292,7 +2292,7 @@
           <a:p>
             <a:fld id="{FB30EDBD-1C2D-4C1E-B459-B60219FAB484}" type="datetimeFigureOut">
               <a:rPr lang="ko-KR" altLang="en-US" smtClean="0"/>
-              <a:t>2020-06-25</a:t>
+              <a:t>2020-06-27</a:t>
             </a:fld>
             <a:endParaRPr lang="ko-KR" altLang="en-US"/>
           </a:p>
@@ -2382,7 +2382,7 @@
           <a:p>
             <a:fld id="{FB30EDBD-1C2D-4C1E-B459-B60219FAB484}" type="datetimeFigureOut">
               <a:rPr lang="ko-KR" altLang="en-US" smtClean="0"/>
-              <a:t>2020-06-25</a:t>
+              <a:t>2020-06-27</a:t>
             </a:fld>
             <a:endParaRPr lang="ko-KR" altLang="en-US"/>
           </a:p>
@@ -2652,7 +2652,7 @@
           <a:p>
             <a:fld id="{FB30EDBD-1C2D-4C1E-B459-B60219FAB484}" type="datetimeFigureOut">
               <a:rPr lang="ko-KR" altLang="en-US" smtClean="0"/>
-              <a:t>2020-06-25</a:t>
+              <a:t>2020-06-27</a:t>
             </a:fld>
             <a:endParaRPr lang="ko-KR" altLang="en-US"/>
           </a:p>
@@ -2899,7 +2899,7 @@
           <a:p>
             <a:fld id="{FB30EDBD-1C2D-4C1E-B459-B60219FAB484}" type="datetimeFigureOut">
               <a:rPr lang="ko-KR" altLang="en-US" smtClean="0"/>
-              <a:t>2020-06-25</a:t>
+              <a:t>2020-06-27</a:t>
             </a:fld>
             <a:endParaRPr lang="ko-KR" altLang="en-US"/>
           </a:p>
@@ -3105,7 +3105,7 @@
           <a:p>
             <a:fld id="{FB30EDBD-1C2D-4C1E-B459-B60219FAB484}" type="datetimeFigureOut">
               <a:rPr lang="ko-KR" altLang="en-US" smtClean="0"/>
-              <a:t>2020-06-25</a:t>
+              <a:t>2020-06-27</a:t>
             </a:fld>
             <a:endParaRPr lang="ko-KR" altLang="en-US"/>
           </a:p>
@@ -3606,7 +3606,7 @@
             <a:pPr algn="ctr"/>
             <a:r>
               <a:rPr lang="en-US" altLang="ko-KR" sz="1200"/>
-              <a:t>(Browser)</a:t>
+              <a:t>(Web Browser)</a:t>
             </a:r>
             <a:endParaRPr lang="ko-KR" altLang="en-US" sz="1200"/>
           </a:p>
@@ -4010,7 +4010,15 @@
             <a:pPr algn="ctr"/>
             <a:r>
               <a:rPr lang="en-US" altLang="ko-KR" sz="1000"/>
-              <a:t>(Browser)</a:t>
+              <a:t>(Web</a:t>
+            </a:r>
+            <a:r>
+              <a:rPr lang="ko-KR" altLang="en-US" sz="1000"/>
+              <a:t> </a:t>
+            </a:r>
+            <a:r>
+              <a:rPr lang="en-US" altLang="ko-KR" sz="1000"/>
+              <a:t>Browser)</a:t>
             </a:r>
             <a:endParaRPr lang="ko-KR" altLang="en-US" sz="1000"/>
           </a:p>
@@ -5625,7 +5633,7 @@
               <a:pPr algn="ctr"/>
               <a:r>
                 <a:rPr lang="en-US" altLang="ko-KR" sz="900"/>
-                <a:t>13. Present Resource</a:t>
+                <a:t>13. Send Service</a:t>
               </a:r>
               <a:endParaRPr lang="ko-KR" altLang="en-US" sz="900"/>
             </a:p>
@@ -5726,7 +5734,7 @@
               <a:pPr algn="ctr"/>
               <a:r>
                 <a:rPr lang="en-US" altLang="ko-KR" sz="900"/>
-                <a:t>14. Show Resource</a:t>
+                <a:t>14. Show Service</a:t>
               </a:r>
               <a:endParaRPr lang="ko-KR" altLang="en-US" sz="900"/>
             </a:p>

--- a/images/theory_analysis/SAML_2.0/SAML_2.0.pptx
+++ b/images/theory_analysis/SAML_2.0/SAML_2.0.pptx
@@ -5,14 +5,15 @@
     <p:sldMasterId id="2147483648" r:id="rId1"/>
   </p:sldMasterIdLst>
   <p:notesMasterIdLst>
-    <p:notesMasterId r:id="rId7"/>
+    <p:notesMasterId r:id="rId8"/>
   </p:notesMasterIdLst>
   <p:sldIdLst>
     <p:sldId id="368" r:id="rId2"/>
     <p:sldId id="366" r:id="rId3"/>
     <p:sldId id="371" r:id="rId4"/>
-    <p:sldId id="365" r:id="rId5"/>
-    <p:sldId id="367" r:id="rId6"/>
+    <p:sldId id="372" r:id="rId5"/>
+    <p:sldId id="365" r:id="rId6"/>
+    <p:sldId id="367" r:id="rId7"/>
   </p:sldIdLst>
   <p:sldSz cx="9144000" cy="5143500" type="screen16x9"/>
   <p:notesSz cx="6858000" cy="9144000"/>
@@ -217,7 +218,7 @@
           <a:p>
             <a:fld id="{6CD5550B-26C4-49A9-A5BA-636EF7BE6CE9}" type="datetimeFigureOut">
               <a:rPr lang="ko-KR" altLang="en-US" smtClean="0"/>
-              <a:t>2020-06-27</a:t>
+              <a:t>2022-02-28</a:t>
             </a:fld>
             <a:endParaRPr lang="ko-KR" altLang="en-US"/>
           </a:p>
@@ -568,6 +569,90 @@
 </p:notes>
 </file>
 
+<file path=ppt/notesSlides/notesSlide2.xml><?xml version="1.0" encoding="utf-8"?>
+<p:notes xmlns:a="http://schemas.openxmlformats.org/drawingml/2006/main" xmlns:r="http://schemas.openxmlformats.org/officeDocument/2006/relationships" xmlns:p="http://schemas.openxmlformats.org/presentationml/2006/main">
+  <p:cSld>
+    <p:spTree>
+      <p:nvGrpSpPr>
+        <p:cNvPr id="1" name=""/>
+        <p:cNvGrpSpPr/>
+        <p:nvPr/>
+      </p:nvGrpSpPr>
+      <p:grpSpPr>
+        <a:xfrm>
+          <a:off x="0" y="0"/>
+          <a:ext cx="0" cy="0"/>
+          <a:chOff x="0" y="0"/>
+          <a:chExt cx="0" cy="0"/>
+        </a:xfrm>
+      </p:grpSpPr>
+      <p:sp>
+        <p:nvSpPr>
+          <p:cNvPr id="2" name="슬라이드 이미지 개체 틀 1"/>
+          <p:cNvSpPr>
+            <a:spLocks noGrp="1" noRot="1" noChangeAspect="1"/>
+          </p:cNvSpPr>
+          <p:nvPr>
+            <p:ph type="sldImg"/>
+          </p:nvPr>
+        </p:nvSpPr>
+        <p:spPr/>
+      </p:sp>
+      <p:sp>
+        <p:nvSpPr>
+          <p:cNvPr id="3" name="슬라이드 노트 개체 틀 2"/>
+          <p:cNvSpPr>
+            <a:spLocks noGrp="1"/>
+          </p:cNvSpPr>
+          <p:nvPr>
+            <p:ph type="body" idx="1"/>
+          </p:nvPr>
+        </p:nvSpPr>
+        <p:spPr/>
+        <p:txBody>
+          <a:bodyPr/>
+          <a:lstStyle/>
+          <a:p>
+            <a:endParaRPr lang="ko-KR" altLang="en-US"/>
+          </a:p>
+        </p:txBody>
+      </p:sp>
+      <p:sp>
+        <p:nvSpPr>
+          <p:cNvPr id="4" name="슬라이드 번호 개체 틀 3"/>
+          <p:cNvSpPr>
+            <a:spLocks noGrp="1"/>
+          </p:cNvSpPr>
+          <p:nvPr>
+            <p:ph type="sldNum" sz="quarter" idx="5"/>
+          </p:nvPr>
+        </p:nvSpPr>
+        <p:spPr/>
+        <p:txBody>
+          <a:bodyPr/>
+          <a:lstStyle/>
+          <a:p>
+            <a:fld id="{BA5DFA43-8D57-47FB-BC46-057616015C3B}" type="slidenum">
+              <a:rPr lang="ko-KR" altLang="en-US" smtClean="0"/>
+              <a:t>4</a:t>
+            </a:fld>
+            <a:endParaRPr lang="ko-KR" altLang="en-US"/>
+          </a:p>
+        </p:txBody>
+      </p:sp>
+    </p:spTree>
+    <p:extLst>
+      <p:ext uri="{BB962C8B-B14F-4D97-AF65-F5344CB8AC3E}">
+        <p14:creationId xmlns:p14="http://schemas.microsoft.com/office/powerpoint/2010/main" val="2790202664"/>
+      </p:ext>
+    </p:extLst>
+  </p:cSld>
+  <p:clrMapOvr>
+    <a:masterClrMapping/>
+  </p:clrMapOvr>
+</p:notes>
+</file>
+
 <file path=ppt/slideLayouts/slideLayout1.xml><?xml version="1.0" encoding="utf-8"?>
 <p:sldLayout xmlns:a="http://schemas.openxmlformats.org/drawingml/2006/main" xmlns:r="http://schemas.openxmlformats.org/officeDocument/2006/relationships" xmlns:p="http://schemas.openxmlformats.org/presentationml/2006/main" type="title" preserve="1">
   <p:cSld name="제목 슬라이드">
@@ -747,7 +832,7 @@
           <a:p>
             <a:fld id="{FB30EDBD-1C2D-4C1E-B459-B60219FAB484}" type="datetimeFigureOut">
               <a:rPr lang="ko-KR" altLang="en-US" smtClean="0"/>
-              <a:t>2020-06-27</a:t>
+              <a:t>2022-02-28</a:t>
             </a:fld>
             <a:endParaRPr lang="ko-KR" altLang="en-US"/>
           </a:p>
@@ -910,7 +995,7 @@
           <a:p>
             <a:fld id="{FB30EDBD-1C2D-4C1E-B459-B60219FAB484}" type="datetimeFigureOut">
               <a:rPr lang="ko-KR" altLang="en-US" smtClean="0"/>
-              <a:t>2020-06-27</a:t>
+              <a:t>2022-02-28</a:t>
             </a:fld>
             <a:endParaRPr lang="ko-KR" altLang="en-US"/>
           </a:p>
@@ -1083,7 +1168,7 @@
           <a:p>
             <a:fld id="{FB30EDBD-1C2D-4C1E-B459-B60219FAB484}" type="datetimeFigureOut">
               <a:rPr lang="ko-KR" altLang="en-US" smtClean="0"/>
-              <a:t>2020-06-27</a:t>
+              <a:t>2022-02-28</a:t>
             </a:fld>
             <a:endParaRPr lang="ko-KR" altLang="en-US"/>
           </a:p>
@@ -1246,7 +1331,7 @@
           <a:p>
             <a:fld id="{FB30EDBD-1C2D-4C1E-B459-B60219FAB484}" type="datetimeFigureOut">
               <a:rPr lang="ko-KR" altLang="en-US" smtClean="0"/>
-              <a:t>2020-06-27</a:t>
+              <a:t>2022-02-28</a:t>
             </a:fld>
             <a:endParaRPr lang="ko-KR" altLang="en-US"/>
           </a:p>
@@ -1486,7 +1571,7 @@
           <a:p>
             <a:fld id="{FB30EDBD-1C2D-4C1E-B459-B60219FAB484}" type="datetimeFigureOut">
               <a:rPr lang="ko-KR" altLang="en-US" smtClean="0"/>
-              <a:t>2020-06-27</a:t>
+              <a:t>2022-02-28</a:t>
             </a:fld>
             <a:endParaRPr lang="ko-KR" altLang="en-US"/>
           </a:p>
@@ -1766,7 +1851,7 @@
           <a:p>
             <a:fld id="{FB30EDBD-1C2D-4C1E-B459-B60219FAB484}" type="datetimeFigureOut">
               <a:rPr lang="ko-KR" altLang="en-US" smtClean="0"/>
-              <a:t>2020-06-27</a:t>
+              <a:t>2022-02-28</a:t>
             </a:fld>
             <a:endParaRPr lang="ko-KR" altLang="en-US"/>
           </a:p>
@@ -2180,7 +2265,7 @@
           <a:p>
             <a:fld id="{FB30EDBD-1C2D-4C1E-B459-B60219FAB484}" type="datetimeFigureOut">
               <a:rPr lang="ko-KR" altLang="en-US" smtClean="0"/>
-              <a:t>2020-06-27</a:t>
+              <a:t>2022-02-28</a:t>
             </a:fld>
             <a:endParaRPr lang="ko-KR" altLang="en-US"/>
           </a:p>
@@ -2292,7 +2377,7 @@
           <a:p>
             <a:fld id="{FB30EDBD-1C2D-4C1E-B459-B60219FAB484}" type="datetimeFigureOut">
               <a:rPr lang="ko-KR" altLang="en-US" smtClean="0"/>
-              <a:t>2020-06-27</a:t>
+              <a:t>2022-02-28</a:t>
             </a:fld>
             <a:endParaRPr lang="ko-KR" altLang="en-US"/>
           </a:p>
@@ -2382,7 +2467,7 @@
           <a:p>
             <a:fld id="{FB30EDBD-1C2D-4C1E-B459-B60219FAB484}" type="datetimeFigureOut">
               <a:rPr lang="ko-KR" altLang="en-US" smtClean="0"/>
-              <a:t>2020-06-27</a:t>
+              <a:t>2022-02-28</a:t>
             </a:fld>
             <a:endParaRPr lang="ko-KR" altLang="en-US"/>
           </a:p>
@@ -2652,7 +2737,7 @@
           <a:p>
             <a:fld id="{FB30EDBD-1C2D-4C1E-B459-B60219FAB484}" type="datetimeFigureOut">
               <a:rPr lang="ko-KR" altLang="en-US" smtClean="0"/>
-              <a:t>2020-06-27</a:t>
+              <a:t>2022-02-28</a:t>
             </a:fld>
             <a:endParaRPr lang="ko-KR" altLang="en-US"/>
           </a:p>
@@ -2899,7 +2984,7 @@
           <a:p>
             <a:fld id="{FB30EDBD-1C2D-4C1E-B459-B60219FAB484}" type="datetimeFigureOut">
               <a:rPr lang="ko-KR" altLang="en-US" smtClean="0"/>
-              <a:t>2020-06-27</a:t>
+              <a:t>2022-02-28</a:t>
             </a:fld>
             <a:endParaRPr lang="ko-KR" altLang="en-US"/>
           </a:p>
@@ -3105,7 +3190,7 @@
           <a:p>
             <a:fld id="{FB30EDBD-1C2D-4C1E-B459-B60219FAB484}" type="datetimeFigureOut">
               <a:rPr lang="ko-KR" altLang="en-US" smtClean="0"/>
-              <a:t>2020-06-27</a:t>
+              <a:t>2022-02-28</a:t>
             </a:fld>
             <a:endParaRPr lang="ko-KR" altLang="en-US"/>
           </a:p>
@@ -3892,6 +3977,2097 @@
         </p:nvSpPr>
         <p:spPr>
           <a:xfrm>
+            <a:off x="457200" y="-1028650"/>
+            <a:ext cx="8229600" cy="720080"/>
+          </a:xfrm>
+        </p:spPr>
+        <p:txBody>
+          <a:bodyPr>
+            <a:normAutofit fontScale="90000"/>
+          </a:bodyPr>
+          <a:lstStyle/>
+          <a:p>
+            <a:r>
+              <a:rPr lang="en-US" altLang="ko-KR" sz="3600"/>
+              <a:t>SAML Process - SP Redirect, IdP Post Response</a:t>
+            </a:r>
+            <a:endParaRPr lang="ko-KR" altLang="en-US" sz="3600" dirty="0"/>
+          </a:p>
+        </p:txBody>
+      </p:sp>
+      <p:sp>
+        <p:nvSpPr>
+          <p:cNvPr id="3" name="사각형: 둥근 모서리 2">
+            <a:extLst>
+              <a:ext uri="{FF2B5EF4-FFF2-40B4-BE49-F238E27FC236}">
+                <a16:creationId xmlns:a16="http://schemas.microsoft.com/office/drawing/2014/main" id="{F682A8B3-51E9-4E66-93BF-AC13CF953E0F}"/>
+              </a:ext>
+            </a:extLst>
+          </p:cNvPr>
+          <p:cNvSpPr/>
+          <p:nvPr/>
+        </p:nvSpPr>
+        <p:spPr>
+          <a:xfrm>
+            <a:off x="1475656" y="30261"/>
+            <a:ext cx="1183566" cy="360040"/>
+          </a:xfrm>
+          <a:prstGeom prst="roundRect">
+            <a:avLst>
+              <a:gd name="adj" fmla="val 0"/>
+            </a:avLst>
+          </a:prstGeom>
+        </p:spPr>
+        <p:style>
+          <a:lnRef idx="2">
+            <a:schemeClr val="dk1"/>
+          </a:lnRef>
+          <a:fillRef idx="1">
+            <a:schemeClr val="lt1"/>
+          </a:fillRef>
+          <a:effectRef idx="0">
+            <a:schemeClr val="dk1"/>
+          </a:effectRef>
+          <a:fontRef idx="minor">
+            <a:schemeClr val="dk1"/>
+          </a:fontRef>
+        </p:style>
+        <p:txBody>
+          <a:bodyPr rtlCol="0" anchor="ctr"/>
+          <a:lstStyle/>
+          <a:p>
+            <a:pPr algn="ctr"/>
+            <a:r>
+              <a:rPr lang="en-US" altLang="ko-KR" sz="1000"/>
+              <a:t>User</a:t>
+            </a:r>
+          </a:p>
+        </p:txBody>
+      </p:sp>
+      <p:sp>
+        <p:nvSpPr>
+          <p:cNvPr id="19" name="사각형: 둥근 모서리 18">
+            <a:extLst>
+              <a:ext uri="{FF2B5EF4-FFF2-40B4-BE49-F238E27FC236}">
+                <a16:creationId xmlns:a16="http://schemas.microsoft.com/office/drawing/2014/main" id="{0E51AB21-06DD-4D1C-881B-AB9AF29BE15E}"/>
+              </a:ext>
+            </a:extLst>
+          </p:cNvPr>
+          <p:cNvSpPr/>
+          <p:nvPr/>
+        </p:nvSpPr>
+        <p:spPr>
+          <a:xfrm>
+            <a:off x="3239852" y="30261"/>
+            <a:ext cx="1183566" cy="360040"/>
+          </a:xfrm>
+          <a:prstGeom prst="roundRect">
+            <a:avLst>
+              <a:gd name="adj" fmla="val 0"/>
+            </a:avLst>
+          </a:prstGeom>
+        </p:spPr>
+        <p:style>
+          <a:lnRef idx="2">
+            <a:schemeClr val="dk1"/>
+          </a:lnRef>
+          <a:fillRef idx="1">
+            <a:schemeClr val="lt1"/>
+          </a:fillRef>
+          <a:effectRef idx="0">
+            <a:schemeClr val="dk1"/>
+          </a:effectRef>
+          <a:fontRef idx="minor">
+            <a:schemeClr val="dk1"/>
+          </a:fontRef>
+        </p:style>
+        <p:txBody>
+          <a:bodyPr rtlCol="0" anchor="ctr"/>
+          <a:lstStyle/>
+          <a:p>
+            <a:pPr algn="ctr"/>
+            <a:r>
+              <a:rPr lang="en-US" altLang="ko-KR" sz="1000"/>
+              <a:t>User Agent</a:t>
+            </a:r>
+          </a:p>
+          <a:p>
+            <a:pPr algn="ctr"/>
+            <a:r>
+              <a:rPr lang="en-US" altLang="ko-KR" sz="1000"/>
+              <a:t>(Web</a:t>
+            </a:r>
+            <a:r>
+              <a:rPr lang="ko-KR" altLang="en-US" sz="1000"/>
+              <a:t> </a:t>
+            </a:r>
+            <a:r>
+              <a:rPr lang="en-US" altLang="ko-KR" sz="1000"/>
+              <a:t>Browser)</a:t>
+            </a:r>
+            <a:endParaRPr lang="ko-KR" altLang="en-US" sz="1000"/>
+          </a:p>
+        </p:txBody>
+      </p:sp>
+      <p:sp>
+        <p:nvSpPr>
+          <p:cNvPr id="20" name="사각형: 둥근 모서리 19">
+            <a:extLst>
+              <a:ext uri="{FF2B5EF4-FFF2-40B4-BE49-F238E27FC236}">
+                <a16:creationId xmlns:a16="http://schemas.microsoft.com/office/drawing/2014/main" id="{1E98CDC1-9222-4883-B10A-81B66E8DC4B0}"/>
+              </a:ext>
+            </a:extLst>
+          </p:cNvPr>
+          <p:cNvSpPr/>
+          <p:nvPr/>
+        </p:nvSpPr>
+        <p:spPr>
+          <a:xfrm>
+            <a:off x="5004048" y="30261"/>
+            <a:ext cx="1183566" cy="360040"/>
+          </a:xfrm>
+          <a:prstGeom prst="roundRect">
+            <a:avLst>
+              <a:gd name="adj" fmla="val 0"/>
+            </a:avLst>
+          </a:prstGeom>
+        </p:spPr>
+        <p:style>
+          <a:lnRef idx="2">
+            <a:schemeClr val="dk1"/>
+          </a:lnRef>
+          <a:fillRef idx="1">
+            <a:schemeClr val="lt1"/>
+          </a:fillRef>
+          <a:effectRef idx="0">
+            <a:schemeClr val="dk1"/>
+          </a:effectRef>
+          <a:fontRef idx="minor">
+            <a:schemeClr val="dk1"/>
+          </a:fontRef>
+        </p:style>
+        <p:txBody>
+          <a:bodyPr rtlCol="0" anchor="ctr"/>
+          <a:lstStyle/>
+          <a:p>
+            <a:pPr algn="ctr"/>
+            <a:r>
+              <a:rPr lang="en-US" altLang="ko-KR" sz="1000"/>
+              <a:t>Service Provider</a:t>
+            </a:r>
+            <a:endParaRPr lang="ko-KR" altLang="en-US" sz="1000"/>
+          </a:p>
+        </p:txBody>
+      </p:sp>
+      <p:sp>
+        <p:nvSpPr>
+          <p:cNvPr id="21" name="사각형: 둥근 모서리 20">
+            <a:extLst>
+              <a:ext uri="{FF2B5EF4-FFF2-40B4-BE49-F238E27FC236}">
+                <a16:creationId xmlns:a16="http://schemas.microsoft.com/office/drawing/2014/main" id="{79835011-8977-4FDA-B1B6-1DD7DB8C2468}"/>
+              </a:ext>
+            </a:extLst>
+          </p:cNvPr>
+          <p:cNvSpPr/>
+          <p:nvPr/>
+        </p:nvSpPr>
+        <p:spPr>
+          <a:xfrm>
+            <a:off x="6768244" y="30261"/>
+            <a:ext cx="1183566" cy="360040"/>
+          </a:xfrm>
+          <a:prstGeom prst="roundRect">
+            <a:avLst>
+              <a:gd name="adj" fmla="val 0"/>
+            </a:avLst>
+          </a:prstGeom>
+        </p:spPr>
+        <p:style>
+          <a:lnRef idx="2">
+            <a:schemeClr val="dk1"/>
+          </a:lnRef>
+          <a:fillRef idx="1">
+            <a:schemeClr val="lt1"/>
+          </a:fillRef>
+          <a:effectRef idx="0">
+            <a:schemeClr val="dk1"/>
+          </a:effectRef>
+          <a:fontRef idx="minor">
+            <a:schemeClr val="dk1"/>
+          </a:fontRef>
+        </p:style>
+        <p:txBody>
+          <a:bodyPr rtlCol="0" anchor="ctr"/>
+          <a:lstStyle/>
+          <a:p>
+            <a:pPr algn="ctr"/>
+            <a:r>
+              <a:rPr lang="en-US" altLang="ko-KR" sz="1000"/>
+              <a:t>Identity Provider</a:t>
+            </a:r>
+            <a:endParaRPr lang="ko-KR" altLang="en-US" sz="1000"/>
+          </a:p>
+        </p:txBody>
+      </p:sp>
+      <p:cxnSp>
+        <p:nvCxnSpPr>
+          <p:cNvPr id="23" name="직선 연결선 22">
+            <a:extLst>
+              <a:ext uri="{FF2B5EF4-FFF2-40B4-BE49-F238E27FC236}">
+                <a16:creationId xmlns:a16="http://schemas.microsoft.com/office/drawing/2014/main" id="{CF38B8A0-1401-4E3B-9FC0-9ED096701E61}"/>
+              </a:ext>
+            </a:extLst>
+          </p:cNvPr>
+          <p:cNvCxnSpPr>
+            <a:cxnSpLocks/>
+            <a:stCxn id="3" idx="2"/>
+          </p:cNvCxnSpPr>
+          <p:nvPr/>
+        </p:nvCxnSpPr>
+        <p:spPr>
+          <a:xfrm>
+            <a:off x="2067439" y="390301"/>
+            <a:ext cx="0" cy="4731990"/>
+          </a:xfrm>
+          <a:prstGeom prst="line">
+            <a:avLst/>
+          </a:prstGeom>
+          <a:ln w="19050">
+            <a:solidFill>
+              <a:schemeClr val="tx1"/>
+            </a:solidFill>
+          </a:ln>
+        </p:spPr>
+        <p:style>
+          <a:lnRef idx="1">
+            <a:schemeClr val="accent1"/>
+          </a:lnRef>
+          <a:fillRef idx="0">
+            <a:schemeClr val="accent1"/>
+          </a:fillRef>
+          <a:effectRef idx="0">
+            <a:schemeClr val="accent1"/>
+          </a:effectRef>
+          <a:fontRef idx="minor">
+            <a:schemeClr val="tx1"/>
+          </a:fontRef>
+        </p:style>
+      </p:cxnSp>
+      <p:cxnSp>
+        <p:nvCxnSpPr>
+          <p:cNvPr id="30" name="직선 연결선 29">
+            <a:extLst>
+              <a:ext uri="{FF2B5EF4-FFF2-40B4-BE49-F238E27FC236}">
+                <a16:creationId xmlns:a16="http://schemas.microsoft.com/office/drawing/2014/main" id="{5E45002D-6183-4784-BB3F-133D35EEE2BB}"/>
+              </a:ext>
+            </a:extLst>
+          </p:cNvPr>
+          <p:cNvCxnSpPr>
+            <a:cxnSpLocks/>
+            <a:stCxn id="19" idx="2"/>
+          </p:cNvCxnSpPr>
+          <p:nvPr/>
+        </p:nvCxnSpPr>
+        <p:spPr>
+          <a:xfrm>
+            <a:off x="3831635" y="390301"/>
+            <a:ext cx="0" cy="4731990"/>
+          </a:xfrm>
+          <a:prstGeom prst="line">
+            <a:avLst/>
+          </a:prstGeom>
+          <a:ln w="19050">
+            <a:solidFill>
+              <a:schemeClr val="tx1"/>
+            </a:solidFill>
+          </a:ln>
+        </p:spPr>
+        <p:style>
+          <a:lnRef idx="1">
+            <a:schemeClr val="accent1"/>
+          </a:lnRef>
+          <a:fillRef idx="0">
+            <a:schemeClr val="accent1"/>
+          </a:fillRef>
+          <a:effectRef idx="0">
+            <a:schemeClr val="accent1"/>
+          </a:effectRef>
+          <a:fontRef idx="minor">
+            <a:schemeClr val="tx1"/>
+          </a:fontRef>
+        </p:style>
+      </p:cxnSp>
+      <p:cxnSp>
+        <p:nvCxnSpPr>
+          <p:cNvPr id="33" name="직선 연결선 32">
+            <a:extLst>
+              <a:ext uri="{FF2B5EF4-FFF2-40B4-BE49-F238E27FC236}">
+                <a16:creationId xmlns:a16="http://schemas.microsoft.com/office/drawing/2014/main" id="{71C2B82A-843B-4122-8D52-8C4F14103FA8}"/>
+              </a:ext>
+            </a:extLst>
+          </p:cNvPr>
+          <p:cNvCxnSpPr>
+            <a:cxnSpLocks/>
+            <a:stCxn id="20" idx="2"/>
+          </p:cNvCxnSpPr>
+          <p:nvPr/>
+        </p:nvCxnSpPr>
+        <p:spPr>
+          <a:xfrm>
+            <a:off x="5595831" y="390301"/>
+            <a:ext cx="0" cy="4731990"/>
+          </a:xfrm>
+          <a:prstGeom prst="line">
+            <a:avLst/>
+          </a:prstGeom>
+          <a:ln w="19050">
+            <a:solidFill>
+              <a:schemeClr val="tx1"/>
+            </a:solidFill>
+          </a:ln>
+        </p:spPr>
+        <p:style>
+          <a:lnRef idx="1">
+            <a:schemeClr val="accent1"/>
+          </a:lnRef>
+          <a:fillRef idx="0">
+            <a:schemeClr val="accent1"/>
+          </a:fillRef>
+          <a:effectRef idx="0">
+            <a:schemeClr val="accent1"/>
+          </a:effectRef>
+          <a:fontRef idx="minor">
+            <a:schemeClr val="tx1"/>
+          </a:fontRef>
+        </p:style>
+      </p:cxnSp>
+      <p:cxnSp>
+        <p:nvCxnSpPr>
+          <p:cNvPr id="36" name="직선 연결선 35">
+            <a:extLst>
+              <a:ext uri="{FF2B5EF4-FFF2-40B4-BE49-F238E27FC236}">
+                <a16:creationId xmlns:a16="http://schemas.microsoft.com/office/drawing/2014/main" id="{772E8AA5-3AB5-4A92-A6C6-31B4125C65A0}"/>
+              </a:ext>
+            </a:extLst>
+          </p:cNvPr>
+          <p:cNvCxnSpPr>
+            <a:cxnSpLocks/>
+            <a:stCxn id="21" idx="2"/>
+          </p:cNvCxnSpPr>
+          <p:nvPr/>
+        </p:nvCxnSpPr>
+        <p:spPr>
+          <a:xfrm>
+            <a:off x="7360027" y="390301"/>
+            <a:ext cx="0" cy="4731990"/>
+          </a:xfrm>
+          <a:prstGeom prst="line">
+            <a:avLst/>
+          </a:prstGeom>
+          <a:ln w="19050">
+            <a:solidFill>
+              <a:schemeClr val="tx1"/>
+            </a:solidFill>
+          </a:ln>
+        </p:spPr>
+        <p:style>
+          <a:lnRef idx="1">
+            <a:schemeClr val="accent1"/>
+          </a:lnRef>
+          <a:fillRef idx="0">
+            <a:schemeClr val="accent1"/>
+          </a:fillRef>
+          <a:effectRef idx="0">
+            <a:schemeClr val="accent1"/>
+          </a:effectRef>
+          <a:fontRef idx="minor">
+            <a:schemeClr val="tx1"/>
+          </a:fontRef>
+        </p:style>
+      </p:cxnSp>
+      <p:grpSp>
+        <p:nvGrpSpPr>
+          <p:cNvPr id="47" name="그룹 46">
+            <a:extLst>
+              <a:ext uri="{FF2B5EF4-FFF2-40B4-BE49-F238E27FC236}">
+                <a16:creationId xmlns:a16="http://schemas.microsoft.com/office/drawing/2014/main" id="{E3BB676B-A04A-46BB-A9BD-CA1B62AED92B}"/>
+              </a:ext>
+            </a:extLst>
+          </p:cNvPr>
+          <p:cNvGrpSpPr/>
+          <p:nvPr/>
+        </p:nvGrpSpPr>
+        <p:grpSpPr>
+          <a:xfrm>
+            <a:off x="2067438" y="447501"/>
+            <a:ext cx="1764197" cy="230832"/>
+            <a:chOff x="1099896" y="1044774"/>
+            <a:chExt cx="1764197" cy="230832"/>
+          </a:xfrm>
+        </p:grpSpPr>
+        <p:cxnSp>
+          <p:nvCxnSpPr>
+            <p:cNvPr id="45" name="직선 화살표 연결선 44">
+              <a:extLst>
+                <a:ext uri="{FF2B5EF4-FFF2-40B4-BE49-F238E27FC236}">
+                  <a16:creationId xmlns:a16="http://schemas.microsoft.com/office/drawing/2014/main" id="{7DA70A64-B7A7-4AFC-BF95-321F5BF555B1}"/>
+                </a:ext>
+              </a:extLst>
+            </p:cNvPr>
+            <p:cNvCxnSpPr/>
+            <p:nvPr/>
+          </p:nvCxnSpPr>
+          <p:spPr>
+            <a:xfrm>
+              <a:off x="1099897" y="1275606"/>
+              <a:ext cx="1764196" cy="0"/>
+            </a:xfrm>
+            <a:prstGeom prst="straightConnector1">
+              <a:avLst/>
+            </a:prstGeom>
+            <a:ln w="19050">
+              <a:solidFill>
+                <a:schemeClr val="tx1"/>
+              </a:solidFill>
+              <a:headEnd type="none" w="med" len="med"/>
+              <a:tailEnd type="arrow" w="med" len="med"/>
+            </a:ln>
+          </p:spPr>
+          <p:style>
+            <a:lnRef idx="1">
+              <a:schemeClr val="accent1"/>
+            </a:lnRef>
+            <a:fillRef idx="0">
+              <a:schemeClr val="accent1"/>
+            </a:fillRef>
+            <a:effectRef idx="0">
+              <a:schemeClr val="accent1"/>
+            </a:effectRef>
+            <a:fontRef idx="minor">
+              <a:schemeClr val="tx1"/>
+            </a:fontRef>
+          </p:style>
+        </p:cxnSp>
+        <p:sp>
+          <p:nvSpPr>
+            <p:cNvPr id="46" name="TextBox 45">
+              <a:extLst>
+                <a:ext uri="{FF2B5EF4-FFF2-40B4-BE49-F238E27FC236}">
+                  <a16:creationId xmlns:a16="http://schemas.microsoft.com/office/drawing/2014/main" id="{31320D19-CFB6-4C35-A360-5C2725A9C005}"/>
+                </a:ext>
+              </a:extLst>
+            </p:cNvPr>
+            <p:cNvSpPr txBox="1"/>
+            <p:nvPr/>
+          </p:nvSpPr>
+          <p:spPr>
+            <a:xfrm>
+              <a:off x="1099896" y="1044774"/>
+              <a:ext cx="1764187" cy="230832"/>
+            </a:xfrm>
+            <a:prstGeom prst="rect">
+              <a:avLst/>
+            </a:prstGeom>
+            <a:noFill/>
+          </p:spPr>
+          <p:txBody>
+            <a:bodyPr wrap="square" rtlCol="0" anchor="ctr">
+              <a:spAutoFit/>
+            </a:bodyPr>
+            <a:lstStyle/>
+            <a:p>
+              <a:pPr algn="ctr"/>
+              <a:r>
+                <a:rPr lang="en-US" altLang="ko-KR" sz="900"/>
+                <a:t>1. Enter URL</a:t>
+              </a:r>
+              <a:endParaRPr lang="ko-KR" altLang="en-US" sz="900"/>
+            </a:p>
+          </p:txBody>
+        </p:sp>
+      </p:grpSp>
+      <p:grpSp>
+        <p:nvGrpSpPr>
+          <p:cNvPr id="48" name="그룹 47">
+            <a:extLst>
+              <a:ext uri="{FF2B5EF4-FFF2-40B4-BE49-F238E27FC236}">
+                <a16:creationId xmlns:a16="http://schemas.microsoft.com/office/drawing/2014/main" id="{EAFBC0F5-80D5-4A60-A12A-346D9948C032}"/>
+              </a:ext>
+            </a:extLst>
+          </p:cNvPr>
+          <p:cNvGrpSpPr/>
+          <p:nvPr/>
+        </p:nvGrpSpPr>
+        <p:grpSpPr>
+          <a:xfrm>
+            <a:off x="3831623" y="678333"/>
+            <a:ext cx="1764197" cy="230832"/>
+            <a:chOff x="1099896" y="1044774"/>
+            <a:chExt cx="1764197" cy="230832"/>
+          </a:xfrm>
+        </p:grpSpPr>
+        <p:cxnSp>
+          <p:nvCxnSpPr>
+            <p:cNvPr id="49" name="직선 화살표 연결선 48">
+              <a:extLst>
+                <a:ext uri="{FF2B5EF4-FFF2-40B4-BE49-F238E27FC236}">
+                  <a16:creationId xmlns:a16="http://schemas.microsoft.com/office/drawing/2014/main" id="{3B709BA7-8290-4557-AF33-ED4F7E8812ED}"/>
+                </a:ext>
+              </a:extLst>
+            </p:cNvPr>
+            <p:cNvCxnSpPr/>
+            <p:nvPr/>
+          </p:nvCxnSpPr>
+          <p:spPr>
+            <a:xfrm>
+              <a:off x="1099897" y="1275606"/>
+              <a:ext cx="1764196" cy="0"/>
+            </a:xfrm>
+            <a:prstGeom prst="straightConnector1">
+              <a:avLst/>
+            </a:prstGeom>
+            <a:ln w="19050">
+              <a:solidFill>
+                <a:schemeClr val="tx1"/>
+              </a:solidFill>
+              <a:headEnd type="none" w="med" len="med"/>
+              <a:tailEnd type="arrow" w="med" len="med"/>
+            </a:ln>
+          </p:spPr>
+          <p:style>
+            <a:lnRef idx="1">
+              <a:schemeClr val="accent1"/>
+            </a:lnRef>
+            <a:fillRef idx="0">
+              <a:schemeClr val="accent1"/>
+            </a:fillRef>
+            <a:effectRef idx="0">
+              <a:schemeClr val="accent1"/>
+            </a:effectRef>
+            <a:fontRef idx="minor">
+              <a:schemeClr val="tx1"/>
+            </a:fontRef>
+          </p:style>
+        </p:cxnSp>
+        <p:sp>
+          <p:nvSpPr>
+            <p:cNvPr id="50" name="TextBox 49">
+              <a:extLst>
+                <a:ext uri="{FF2B5EF4-FFF2-40B4-BE49-F238E27FC236}">
+                  <a16:creationId xmlns:a16="http://schemas.microsoft.com/office/drawing/2014/main" id="{9207FD93-EFBF-47E4-A844-1B1F49D86DB7}"/>
+                </a:ext>
+              </a:extLst>
+            </p:cNvPr>
+            <p:cNvSpPr txBox="1"/>
+            <p:nvPr/>
+          </p:nvSpPr>
+          <p:spPr>
+            <a:xfrm>
+              <a:off x="1099896" y="1044774"/>
+              <a:ext cx="1764187" cy="230832"/>
+            </a:xfrm>
+            <a:prstGeom prst="rect">
+              <a:avLst/>
+            </a:prstGeom>
+            <a:noFill/>
+          </p:spPr>
+          <p:txBody>
+            <a:bodyPr wrap="square" rtlCol="0" anchor="ctr">
+              <a:spAutoFit/>
+            </a:bodyPr>
+            <a:lstStyle/>
+            <a:p>
+              <a:pPr algn="ctr"/>
+              <a:r>
+                <a:rPr lang="en-US" altLang="ko-KR" sz="900" dirty="0"/>
+                <a:t>2</a:t>
+              </a:r>
+              <a:r>
+                <a:rPr lang="en-US" altLang="ko-KR" sz="900"/>
+                <a:t>. Goto URL </a:t>
+              </a:r>
+              <a:endParaRPr lang="ko-KR" altLang="en-US" sz="900" dirty="0"/>
+            </a:p>
+          </p:txBody>
+        </p:sp>
+      </p:grpSp>
+      <p:grpSp>
+        <p:nvGrpSpPr>
+          <p:cNvPr id="51" name="그룹 50">
+            <a:extLst>
+              <a:ext uri="{FF2B5EF4-FFF2-40B4-BE49-F238E27FC236}">
+                <a16:creationId xmlns:a16="http://schemas.microsoft.com/office/drawing/2014/main" id="{E78E7DB9-7A22-4F16-9950-ECFA5F3D4150}"/>
+              </a:ext>
+            </a:extLst>
+          </p:cNvPr>
+          <p:cNvGrpSpPr/>
+          <p:nvPr/>
+        </p:nvGrpSpPr>
+        <p:grpSpPr>
+          <a:xfrm>
+            <a:off x="3831623" y="958979"/>
+            <a:ext cx="1764197" cy="511827"/>
+            <a:chOff x="1099896" y="763779"/>
+            <a:chExt cx="1764197" cy="511827"/>
+          </a:xfrm>
+        </p:grpSpPr>
+        <p:cxnSp>
+          <p:nvCxnSpPr>
+            <p:cNvPr id="52" name="직선 화살표 연결선 51">
+              <a:extLst>
+                <a:ext uri="{FF2B5EF4-FFF2-40B4-BE49-F238E27FC236}">
+                  <a16:creationId xmlns:a16="http://schemas.microsoft.com/office/drawing/2014/main" id="{737C3D9E-DD8A-4406-910A-4D607E2EBF1F}"/>
+                </a:ext>
+              </a:extLst>
+            </p:cNvPr>
+            <p:cNvCxnSpPr/>
+            <p:nvPr/>
+          </p:nvCxnSpPr>
+          <p:spPr>
+            <a:xfrm>
+              <a:off x="1099897" y="1275606"/>
+              <a:ext cx="1764196" cy="0"/>
+            </a:xfrm>
+            <a:prstGeom prst="straightConnector1">
+              <a:avLst/>
+            </a:prstGeom>
+            <a:ln w="19050">
+              <a:solidFill>
+                <a:schemeClr val="tx1"/>
+              </a:solidFill>
+              <a:headEnd type="arrow" w="med" len="med"/>
+              <a:tailEnd type="none" w="med" len="med"/>
+            </a:ln>
+          </p:spPr>
+          <p:style>
+            <a:lnRef idx="1">
+              <a:schemeClr val="accent1"/>
+            </a:lnRef>
+            <a:fillRef idx="0">
+              <a:schemeClr val="accent1"/>
+            </a:fillRef>
+            <a:effectRef idx="0">
+              <a:schemeClr val="accent1"/>
+            </a:effectRef>
+            <a:fontRef idx="minor">
+              <a:schemeClr val="tx1"/>
+            </a:fontRef>
+          </p:style>
+        </p:cxnSp>
+        <p:sp>
+          <p:nvSpPr>
+            <p:cNvPr id="53" name="TextBox 52">
+              <a:extLst>
+                <a:ext uri="{FF2B5EF4-FFF2-40B4-BE49-F238E27FC236}">
+                  <a16:creationId xmlns:a16="http://schemas.microsoft.com/office/drawing/2014/main" id="{970114FF-E1D7-493F-9A33-71AC3EB2CD96}"/>
+                </a:ext>
+              </a:extLst>
+            </p:cNvPr>
+            <p:cNvSpPr txBox="1"/>
+            <p:nvPr/>
+          </p:nvSpPr>
+          <p:spPr>
+            <a:xfrm>
+              <a:off x="1099896" y="763779"/>
+              <a:ext cx="1764187" cy="507831"/>
+            </a:xfrm>
+            <a:prstGeom prst="rect">
+              <a:avLst/>
+            </a:prstGeom>
+            <a:noFill/>
+          </p:spPr>
+          <p:txBody>
+            <a:bodyPr wrap="square" rtlCol="0" anchor="ctr">
+              <a:spAutoFit/>
+            </a:bodyPr>
+            <a:lstStyle/>
+            <a:p>
+              <a:pPr algn="ctr"/>
+              <a:r>
+                <a:rPr lang="en-US" altLang="ko-KR" sz="900"/>
+                <a:t>3. Redirect to Identity Provider with </a:t>
+              </a:r>
+              <a:r>
+                <a:rPr lang="en-US" altLang="ko-KR" sz="900" b="1">
+                  <a:solidFill>
+                    <a:schemeClr val="tx2"/>
+                  </a:solidFill>
+                </a:rPr>
+                <a:t>SAML Request, Relay State</a:t>
+              </a:r>
+              <a:endParaRPr lang="ko-KR" altLang="en-US" sz="900" b="1">
+                <a:solidFill>
+                  <a:schemeClr val="tx2"/>
+                </a:solidFill>
+              </a:endParaRPr>
+            </a:p>
+          </p:txBody>
+        </p:sp>
+      </p:grpSp>
+      <p:grpSp>
+        <p:nvGrpSpPr>
+          <p:cNvPr id="57" name="그룹 56">
+            <a:extLst>
+              <a:ext uri="{FF2B5EF4-FFF2-40B4-BE49-F238E27FC236}">
+                <a16:creationId xmlns:a16="http://schemas.microsoft.com/office/drawing/2014/main" id="{5A8411E5-A9E9-4E36-B89B-25648DB82851}"/>
+              </a:ext>
+            </a:extLst>
+          </p:cNvPr>
+          <p:cNvGrpSpPr/>
+          <p:nvPr/>
+        </p:nvGrpSpPr>
+        <p:grpSpPr>
+          <a:xfrm>
+            <a:off x="3831623" y="1534356"/>
+            <a:ext cx="3528388" cy="230832"/>
+            <a:chOff x="1099896" y="1044774"/>
+            <a:chExt cx="1764197" cy="230832"/>
+          </a:xfrm>
+        </p:grpSpPr>
+        <p:cxnSp>
+          <p:nvCxnSpPr>
+            <p:cNvPr id="58" name="직선 화살표 연결선 57">
+              <a:extLst>
+                <a:ext uri="{FF2B5EF4-FFF2-40B4-BE49-F238E27FC236}">
+                  <a16:creationId xmlns:a16="http://schemas.microsoft.com/office/drawing/2014/main" id="{7080B2E9-6D6B-43B4-8519-32D04C6545D6}"/>
+                </a:ext>
+              </a:extLst>
+            </p:cNvPr>
+            <p:cNvCxnSpPr/>
+            <p:nvPr/>
+          </p:nvCxnSpPr>
+          <p:spPr>
+            <a:xfrm>
+              <a:off x="1099897" y="1275606"/>
+              <a:ext cx="1764196" cy="0"/>
+            </a:xfrm>
+            <a:prstGeom prst="straightConnector1">
+              <a:avLst/>
+            </a:prstGeom>
+            <a:ln w="19050">
+              <a:solidFill>
+                <a:schemeClr val="tx1"/>
+              </a:solidFill>
+              <a:headEnd type="none" w="med" len="med"/>
+              <a:tailEnd type="arrow" w="med" len="med"/>
+            </a:ln>
+          </p:spPr>
+          <p:style>
+            <a:lnRef idx="1">
+              <a:schemeClr val="accent1"/>
+            </a:lnRef>
+            <a:fillRef idx="0">
+              <a:schemeClr val="accent1"/>
+            </a:fillRef>
+            <a:effectRef idx="0">
+              <a:schemeClr val="accent1"/>
+            </a:effectRef>
+            <a:fontRef idx="minor">
+              <a:schemeClr val="tx1"/>
+            </a:fontRef>
+          </p:style>
+        </p:cxnSp>
+        <p:sp>
+          <p:nvSpPr>
+            <p:cNvPr id="59" name="TextBox 58">
+              <a:extLst>
+                <a:ext uri="{FF2B5EF4-FFF2-40B4-BE49-F238E27FC236}">
+                  <a16:creationId xmlns:a16="http://schemas.microsoft.com/office/drawing/2014/main" id="{6C6D28AC-42F8-4727-B049-E98805DBEC34}"/>
+                </a:ext>
+              </a:extLst>
+            </p:cNvPr>
+            <p:cNvSpPr txBox="1"/>
+            <p:nvPr/>
+          </p:nvSpPr>
+          <p:spPr>
+            <a:xfrm>
+              <a:off x="1099896" y="1044774"/>
+              <a:ext cx="1764187" cy="230832"/>
+            </a:xfrm>
+            <a:prstGeom prst="rect">
+              <a:avLst/>
+            </a:prstGeom>
+            <a:noFill/>
+          </p:spPr>
+          <p:txBody>
+            <a:bodyPr wrap="square" rtlCol="0" anchor="ctr">
+              <a:spAutoFit/>
+            </a:bodyPr>
+            <a:lstStyle/>
+            <a:p>
+              <a:pPr algn="ctr"/>
+              <a:r>
+                <a:rPr lang="en-US" altLang="ko-KR" sz="900"/>
+                <a:t>4. Goto Identity Provider with </a:t>
+              </a:r>
+              <a:r>
+                <a:rPr lang="en-US" altLang="ko-KR" sz="900" b="1">
+                  <a:solidFill>
+                    <a:schemeClr val="tx2"/>
+                  </a:solidFill>
+                </a:rPr>
+                <a:t>SAML Request, Relay State</a:t>
+              </a:r>
+              <a:endParaRPr lang="ko-KR" altLang="en-US" sz="900" b="1">
+                <a:solidFill>
+                  <a:schemeClr val="tx2"/>
+                </a:solidFill>
+              </a:endParaRPr>
+            </a:p>
+          </p:txBody>
+        </p:sp>
+      </p:grpSp>
+      <p:grpSp>
+        <p:nvGrpSpPr>
+          <p:cNvPr id="61" name="그룹 60">
+            <a:extLst>
+              <a:ext uri="{FF2B5EF4-FFF2-40B4-BE49-F238E27FC236}">
+                <a16:creationId xmlns:a16="http://schemas.microsoft.com/office/drawing/2014/main" id="{DD2B2FB0-94BB-4A5E-A589-6984AA294FEE}"/>
+              </a:ext>
+            </a:extLst>
+          </p:cNvPr>
+          <p:cNvGrpSpPr/>
+          <p:nvPr/>
+        </p:nvGrpSpPr>
+        <p:grpSpPr>
+          <a:xfrm>
+            <a:off x="3831623" y="1822388"/>
+            <a:ext cx="3528366" cy="230832"/>
+            <a:chOff x="1099896" y="1044774"/>
+            <a:chExt cx="1764197" cy="230832"/>
+          </a:xfrm>
+        </p:grpSpPr>
+        <p:cxnSp>
+          <p:nvCxnSpPr>
+            <p:cNvPr id="62" name="직선 화살표 연결선 61">
+              <a:extLst>
+                <a:ext uri="{FF2B5EF4-FFF2-40B4-BE49-F238E27FC236}">
+                  <a16:creationId xmlns:a16="http://schemas.microsoft.com/office/drawing/2014/main" id="{9FB015E7-91E7-400D-A123-A976DF82F65D}"/>
+                </a:ext>
+              </a:extLst>
+            </p:cNvPr>
+            <p:cNvCxnSpPr/>
+            <p:nvPr/>
+          </p:nvCxnSpPr>
+          <p:spPr>
+            <a:xfrm>
+              <a:off x="1099897" y="1275606"/>
+              <a:ext cx="1764196" cy="0"/>
+            </a:xfrm>
+            <a:prstGeom prst="straightConnector1">
+              <a:avLst/>
+            </a:prstGeom>
+            <a:ln w="19050">
+              <a:solidFill>
+                <a:schemeClr val="tx1"/>
+              </a:solidFill>
+              <a:headEnd type="arrow" w="med" len="med"/>
+              <a:tailEnd type="none" w="med" len="med"/>
+            </a:ln>
+          </p:spPr>
+          <p:style>
+            <a:lnRef idx="1">
+              <a:schemeClr val="accent1"/>
+            </a:lnRef>
+            <a:fillRef idx="0">
+              <a:schemeClr val="accent1"/>
+            </a:fillRef>
+            <a:effectRef idx="0">
+              <a:schemeClr val="accent1"/>
+            </a:effectRef>
+            <a:fontRef idx="minor">
+              <a:schemeClr val="tx1"/>
+            </a:fontRef>
+          </p:style>
+        </p:cxnSp>
+        <p:sp>
+          <p:nvSpPr>
+            <p:cNvPr id="63" name="TextBox 62">
+              <a:extLst>
+                <a:ext uri="{FF2B5EF4-FFF2-40B4-BE49-F238E27FC236}">
+                  <a16:creationId xmlns:a16="http://schemas.microsoft.com/office/drawing/2014/main" id="{F8E64580-FDE6-4924-88A9-1AE155603782}"/>
+                </a:ext>
+              </a:extLst>
+            </p:cNvPr>
+            <p:cNvSpPr txBox="1"/>
+            <p:nvPr/>
+          </p:nvSpPr>
+          <p:spPr>
+            <a:xfrm>
+              <a:off x="1099896" y="1044774"/>
+              <a:ext cx="1764187" cy="230832"/>
+            </a:xfrm>
+            <a:prstGeom prst="rect">
+              <a:avLst/>
+            </a:prstGeom>
+            <a:noFill/>
+          </p:spPr>
+          <p:txBody>
+            <a:bodyPr wrap="square" rtlCol="0" anchor="ctr">
+              <a:spAutoFit/>
+            </a:bodyPr>
+            <a:lstStyle/>
+            <a:p>
+              <a:pPr algn="ctr"/>
+              <a:r>
+                <a:rPr lang="en-US" altLang="ko-KR" sz="900"/>
+                <a:t>5. Present Authentication UI</a:t>
+              </a:r>
+              <a:endParaRPr lang="ko-KR" altLang="en-US" sz="900"/>
+            </a:p>
+          </p:txBody>
+        </p:sp>
+      </p:grpSp>
+      <p:grpSp>
+        <p:nvGrpSpPr>
+          <p:cNvPr id="64" name="그룹 63">
+            <a:extLst>
+              <a:ext uri="{FF2B5EF4-FFF2-40B4-BE49-F238E27FC236}">
+                <a16:creationId xmlns:a16="http://schemas.microsoft.com/office/drawing/2014/main" id="{597B8C85-295D-4C92-9310-7320E17DDA59}"/>
+              </a:ext>
+            </a:extLst>
+          </p:cNvPr>
+          <p:cNvGrpSpPr/>
+          <p:nvPr/>
+        </p:nvGrpSpPr>
+        <p:grpSpPr>
+          <a:xfrm>
+            <a:off x="2067439" y="2110420"/>
+            <a:ext cx="1764184" cy="230832"/>
+            <a:chOff x="1099896" y="1044774"/>
+            <a:chExt cx="1764197" cy="230832"/>
+          </a:xfrm>
+        </p:grpSpPr>
+        <p:cxnSp>
+          <p:nvCxnSpPr>
+            <p:cNvPr id="65" name="직선 화살표 연결선 64">
+              <a:extLst>
+                <a:ext uri="{FF2B5EF4-FFF2-40B4-BE49-F238E27FC236}">
+                  <a16:creationId xmlns:a16="http://schemas.microsoft.com/office/drawing/2014/main" id="{716E46BF-9231-4EBA-9EDB-0F6CDE9F93DF}"/>
+                </a:ext>
+              </a:extLst>
+            </p:cNvPr>
+            <p:cNvCxnSpPr/>
+            <p:nvPr/>
+          </p:nvCxnSpPr>
+          <p:spPr>
+            <a:xfrm>
+              <a:off x="1099897" y="1275606"/>
+              <a:ext cx="1764196" cy="0"/>
+            </a:xfrm>
+            <a:prstGeom prst="straightConnector1">
+              <a:avLst/>
+            </a:prstGeom>
+            <a:ln w="19050">
+              <a:solidFill>
+                <a:schemeClr val="tx1"/>
+              </a:solidFill>
+              <a:headEnd type="arrow" w="med" len="med"/>
+              <a:tailEnd type="none" w="med" len="med"/>
+            </a:ln>
+          </p:spPr>
+          <p:style>
+            <a:lnRef idx="1">
+              <a:schemeClr val="accent1"/>
+            </a:lnRef>
+            <a:fillRef idx="0">
+              <a:schemeClr val="accent1"/>
+            </a:fillRef>
+            <a:effectRef idx="0">
+              <a:schemeClr val="accent1"/>
+            </a:effectRef>
+            <a:fontRef idx="minor">
+              <a:schemeClr val="tx1"/>
+            </a:fontRef>
+          </p:style>
+        </p:cxnSp>
+        <p:sp>
+          <p:nvSpPr>
+            <p:cNvPr id="66" name="TextBox 65">
+              <a:extLst>
+                <a:ext uri="{FF2B5EF4-FFF2-40B4-BE49-F238E27FC236}">
+                  <a16:creationId xmlns:a16="http://schemas.microsoft.com/office/drawing/2014/main" id="{AEF921D0-D2FC-4BE9-AB63-E2462AA435CB}"/>
+                </a:ext>
+              </a:extLst>
+            </p:cNvPr>
+            <p:cNvSpPr txBox="1"/>
+            <p:nvPr/>
+          </p:nvSpPr>
+          <p:spPr>
+            <a:xfrm>
+              <a:off x="1099896" y="1044774"/>
+              <a:ext cx="1764187" cy="230832"/>
+            </a:xfrm>
+            <a:prstGeom prst="rect">
+              <a:avLst/>
+            </a:prstGeom>
+            <a:noFill/>
+          </p:spPr>
+          <p:txBody>
+            <a:bodyPr wrap="square" rtlCol="0" anchor="ctr">
+              <a:spAutoFit/>
+            </a:bodyPr>
+            <a:lstStyle/>
+            <a:p>
+              <a:pPr algn="ctr"/>
+              <a:r>
+                <a:rPr lang="en-US" altLang="ko-KR" sz="900"/>
+                <a:t>6. Show Authentication UI</a:t>
+              </a:r>
+              <a:endParaRPr lang="ko-KR" altLang="en-US" sz="900"/>
+            </a:p>
+          </p:txBody>
+        </p:sp>
+      </p:grpSp>
+      <p:grpSp>
+        <p:nvGrpSpPr>
+          <p:cNvPr id="67" name="그룹 66">
+            <a:extLst>
+              <a:ext uri="{FF2B5EF4-FFF2-40B4-BE49-F238E27FC236}">
+                <a16:creationId xmlns:a16="http://schemas.microsoft.com/office/drawing/2014/main" id="{8FB4A4B0-DE36-47FC-9BAE-7A0347C8CB49}"/>
+              </a:ext>
+            </a:extLst>
+          </p:cNvPr>
+          <p:cNvGrpSpPr/>
+          <p:nvPr/>
+        </p:nvGrpSpPr>
+        <p:grpSpPr>
+          <a:xfrm>
+            <a:off x="2067438" y="2404056"/>
+            <a:ext cx="1764197" cy="230832"/>
+            <a:chOff x="1099896" y="1044774"/>
+            <a:chExt cx="1764197" cy="230832"/>
+          </a:xfrm>
+        </p:grpSpPr>
+        <p:cxnSp>
+          <p:nvCxnSpPr>
+            <p:cNvPr id="68" name="직선 화살표 연결선 67">
+              <a:extLst>
+                <a:ext uri="{FF2B5EF4-FFF2-40B4-BE49-F238E27FC236}">
+                  <a16:creationId xmlns:a16="http://schemas.microsoft.com/office/drawing/2014/main" id="{44F9F2A3-37EA-44FC-8E45-AB5318C717E0}"/>
+                </a:ext>
+              </a:extLst>
+            </p:cNvPr>
+            <p:cNvCxnSpPr/>
+            <p:nvPr/>
+          </p:nvCxnSpPr>
+          <p:spPr>
+            <a:xfrm>
+              <a:off x="1099897" y="1275606"/>
+              <a:ext cx="1764196" cy="0"/>
+            </a:xfrm>
+            <a:prstGeom prst="straightConnector1">
+              <a:avLst/>
+            </a:prstGeom>
+            <a:ln w="19050">
+              <a:solidFill>
+                <a:schemeClr val="tx1"/>
+              </a:solidFill>
+              <a:headEnd type="none" w="med" len="med"/>
+              <a:tailEnd type="arrow" w="med" len="med"/>
+            </a:ln>
+          </p:spPr>
+          <p:style>
+            <a:lnRef idx="1">
+              <a:schemeClr val="accent1"/>
+            </a:lnRef>
+            <a:fillRef idx="0">
+              <a:schemeClr val="accent1"/>
+            </a:fillRef>
+            <a:effectRef idx="0">
+              <a:schemeClr val="accent1"/>
+            </a:effectRef>
+            <a:fontRef idx="minor">
+              <a:schemeClr val="tx1"/>
+            </a:fontRef>
+          </p:style>
+        </p:cxnSp>
+        <p:sp>
+          <p:nvSpPr>
+            <p:cNvPr id="69" name="TextBox 68">
+              <a:extLst>
+                <a:ext uri="{FF2B5EF4-FFF2-40B4-BE49-F238E27FC236}">
+                  <a16:creationId xmlns:a16="http://schemas.microsoft.com/office/drawing/2014/main" id="{72E47B97-61A2-4325-9CAB-DA60897BED2D}"/>
+                </a:ext>
+              </a:extLst>
+            </p:cNvPr>
+            <p:cNvSpPr txBox="1"/>
+            <p:nvPr/>
+          </p:nvSpPr>
+          <p:spPr>
+            <a:xfrm>
+              <a:off x="1099896" y="1044774"/>
+              <a:ext cx="1764187" cy="230832"/>
+            </a:xfrm>
+            <a:prstGeom prst="rect">
+              <a:avLst/>
+            </a:prstGeom>
+            <a:noFill/>
+          </p:spPr>
+          <p:txBody>
+            <a:bodyPr wrap="square" rtlCol="0" anchor="ctr">
+              <a:spAutoFit/>
+            </a:bodyPr>
+            <a:lstStyle/>
+            <a:p>
+              <a:pPr algn="ctr"/>
+              <a:r>
+                <a:rPr lang="en-US" altLang="ko-KR" sz="900"/>
+                <a:t>7. Login</a:t>
+              </a:r>
+              <a:endParaRPr lang="ko-KR" altLang="en-US" sz="900"/>
+            </a:p>
+          </p:txBody>
+        </p:sp>
+      </p:grpSp>
+      <p:grpSp>
+        <p:nvGrpSpPr>
+          <p:cNvPr id="70" name="그룹 69">
+            <a:extLst>
+              <a:ext uri="{FF2B5EF4-FFF2-40B4-BE49-F238E27FC236}">
+                <a16:creationId xmlns:a16="http://schemas.microsoft.com/office/drawing/2014/main" id="{F1A2A4C1-4A3E-408E-A9A1-A4F65D4F8A6E}"/>
+              </a:ext>
+            </a:extLst>
+          </p:cNvPr>
+          <p:cNvGrpSpPr/>
+          <p:nvPr/>
+        </p:nvGrpSpPr>
+        <p:grpSpPr>
+          <a:xfrm>
+            <a:off x="3831571" y="2701712"/>
+            <a:ext cx="3528386" cy="230832"/>
+            <a:chOff x="1099896" y="1044774"/>
+            <a:chExt cx="1764197" cy="230832"/>
+          </a:xfrm>
+        </p:grpSpPr>
+        <p:cxnSp>
+          <p:nvCxnSpPr>
+            <p:cNvPr id="71" name="직선 화살표 연결선 70">
+              <a:extLst>
+                <a:ext uri="{FF2B5EF4-FFF2-40B4-BE49-F238E27FC236}">
+                  <a16:creationId xmlns:a16="http://schemas.microsoft.com/office/drawing/2014/main" id="{80C9B849-3164-45D1-B6F8-53A74B2174EA}"/>
+                </a:ext>
+              </a:extLst>
+            </p:cNvPr>
+            <p:cNvCxnSpPr/>
+            <p:nvPr/>
+          </p:nvCxnSpPr>
+          <p:spPr>
+            <a:xfrm>
+              <a:off x="1099897" y="1275606"/>
+              <a:ext cx="1764196" cy="0"/>
+            </a:xfrm>
+            <a:prstGeom prst="straightConnector1">
+              <a:avLst/>
+            </a:prstGeom>
+            <a:ln w="19050">
+              <a:solidFill>
+                <a:schemeClr val="tx1"/>
+              </a:solidFill>
+              <a:headEnd type="none" w="med" len="med"/>
+              <a:tailEnd type="arrow" w="med" len="med"/>
+            </a:ln>
+          </p:spPr>
+          <p:style>
+            <a:lnRef idx="1">
+              <a:schemeClr val="accent1"/>
+            </a:lnRef>
+            <a:fillRef idx="0">
+              <a:schemeClr val="accent1"/>
+            </a:fillRef>
+            <a:effectRef idx="0">
+              <a:schemeClr val="accent1"/>
+            </a:effectRef>
+            <a:fontRef idx="minor">
+              <a:schemeClr val="tx1"/>
+            </a:fontRef>
+          </p:style>
+        </p:cxnSp>
+        <p:sp>
+          <p:nvSpPr>
+            <p:cNvPr id="72" name="TextBox 71">
+              <a:extLst>
+                <a:ext uri="{FF2B5EF4-FFF2-40B4-BE49-F238E27FC236}">
+                  <a16:creationId xmlns:a16="http://schemas.microsoft.com/office/drawing/2014/main" id="{D763CC01-C5B9-4B00-93A8-25D6ADD4C0E0}"/>
+                </a:ext>
+              </a:extLst>
+            </p:cNvPr>
+            <p:cNvSpPr txBox="1"/>
+            <p:nvPr/>
+          </p:nvSpPr>
+          <p:spPr>
+            <a:xfrm>
+              <a:off x="1099896" y="1044774"/>
+              <a:ext cx="1764187" cy="230832"/>
+            </a:xfrm>
+            <a:prstGeom prst="rect">
+              <a:avLst/>
+            </a:prstGeom>
+            <a:noFill/>
+          </p:spPr>
+          <p:txBody>
+            <a:bodyPr wrap="square" rtlCol="0" anchor="ctr">
+              <a:spAutoFit/>
+            </a:bodyPr>
+            <a:lstStyle/>
+            <a:p>
+              <a:pPr algn="ctr"/>
+              <a:r>
+                <a:rPr lang="en-US" altLang="ko-KR" sz="900"/>
+                <a:t>8. Send Authentication Info</a:t>
+              </a:r>
+              <a:endParaRPr lang="ko-KR" altLang="en-US" sz="900"/>
+            </a:p>
+          </p:txBody>
+        </p:sp>
+      </p:grpSp>
+      <p:grpSp>
+        <p:nvGrpSpPr>
+          <p:cNvPr id="74" name="그룹 73">
+            <a:extLst>
+              <a:ext uri="{FF2B5EF4-FFF2-40B4-BE49-F238E27FC236}">
+                <a16:creationId xmlns:a16="http://schemas.microsoft.com/office/drawing/2014/main" id="{BE5913C7-1C6F-4B1A-93A2-8F5A782FCF70}"/>
+              </a:ext>
+            </a:extLst>
+          </p:cNvPr>
+          <p:cNvGrpSpPr/>
+          <p:nvPr/>
+        </p:nvGrpSpPr>
+        <p:grpSpPr>
+          <a:xfrm>
+            <a:off x="3635899" y="2992909"/>
+            <a:ext cx="3919711" cy="230832"/>
+            <a:chOff x="1002060" y="1044774"/>
+            <a:chExt cx="1959860" cy="230832"/>
+          </a:xfrm>
+        </p:grpSpPr>
+        <p:cxnSp>
+          <p:nvCxnSpPr>
+            <p:cNvPr id="75" name="직선 화살표 연결선 74">
+              <a:extLst>
+                <a:ext uri="{FF2B5EF4-FFF2-40B4-BE49-F238E27FC236}">
+                  <a16:creationId xmlns:a16="http://schemas.microsoft.com/office/drawing/2014/main" id="{5A32FE5A-D95D-40D1-A6CC-71180B87F368}"/>
+                </a:ext>
+              </a:extLst>
+            </p:cNvPr>
+            <p:cNvCxnSpPr/>
+            <p:nvPr/>
+          </p:nvCxnSpPr>
+          <p:spPr>
+            <a:xfrm>
+              <a:off x="1099897" y="1275606"/>
+              <a:ext cx="1764196" cy="0"/>
+            </a:xfrm>
+            <a:prstGeom prst="straightConnector1">
+              <a:avLst/>
+            </a:prstGeom>
+            <a:ln w="19050">
+              <a:solidFill>
+                <a:schemeClr val="tx1"/>
+              </a:solidFill>
+              <a:headEnd type="arrow" w="med" len="med"/>
+              <a:tailEnd type="none" w="med" len="med"/>
+            </a:ln>
+          </p:spPr>
+          <p:style>
+            <a:lnRef idx="1">
+              <a:schemeClr val="accent1"/>
+            </a:lnRef>
+            <a:fillRef idx="0">
+              <a:schemeClr val="accent1"/>
+            </a:fillRef>
+            <a:effectRef idx="0">
+              <a:schemeClr val="accent1"/>
+            </a:effectRef>
+            <a:fontRef idx="minor">
+              <a:schemeClr val="tx1"/>
+            </a:fontRef>
+          </p:style>
+        </p:cxnSp>
+        <p:sp>
+          <p:nvSpPr>
+            <p:cNvPr id="76" name="TextBox 75">
+              <a:extLst>
+                <a:ext uri="{FF2B5EF4-FFF2-40B4-BE49-F238E27FC236}">
+                  <a16:creationId xmlns:a16="http://schemas.microsoft.com/office/drawing/2014/main" id="{772B408E-1863-4925-B684-13B1B7F10C2D}"/>
+                </a:ext>
+              </a:extLst>
+            </p:cNvPr>
+            <p:cNvSpPr txBox="1"/>
+            <p:nvPr/>
+          </p:nvSpPr>
+          <p:spPr>
+            <a:xfrm>
+              <a:off x="1002060" y="1044774"/>
+              <a:ext cx="1959860" cy="230832"/>
+            </a:xfrm>
+            <a:prstGeom prst="rect">
+              <a:avLst/>
+            </a:prstGeom>
+            <a:noFill/>
+          </p:spPr>
+          <p:txBody>
+            <a:bodyPr wrap="square" rtlCol="0" anchor="ctr">
+              <a:spAutoFit/>
+            </a:bodyPr>
+            <a:lstStyle/>
+            <a:p>
+              <a:pPr algn="ctr"/>
+              <a:r>
+                <a:rPr lang="en-US" altLang="ko-KR" sz="900"/>
+                <a:t>9. Redirect to Service Provider ACS with </a:t>
+              </a:r>
+              <a:r>
+                <a:rPr lang="en-US" altLang="ko-KR" sz="900" b="1">
+                  <a:solidFill>
+                    <a:srgbClr val="C00000"/>
+                  </a:solidFill>
+                </a:rPr>
+                <a:t>SAML Response, Relay State</a:t>
+              </a:r>
+              <a:endParaRPr lang="ko-KR" altLang="en-US" sz="900" b="1">
+                <a:solidFill>
+                  <a:srgbClr val="C00000"/>
+                </a:solidFill>
+              </a:endParaRPr>
+            </a:p>
+          </p:txBody>
+        </p:sp>
+      </p:grpSp>
+      <p:grpSp>
+        <p:nvGrpSpPr>
+          <p:cNvPr id="77" name="그룹 76">
+            <a:extLst>
+              <a:ext uri="{FF2B5EF4-FFF2-40B4-BE49-F238E27FC236}">
+                <a16:creationId xmlns:a16="http://schemas.microsoft.com/office/drawing/2014/main" id="{EAEB2C17-9C84-41F8-8131-9C3B1ACEDBEF}"/>
+              </a:ext>
+            </a:extLst>
+          </p:cNvPr>
+          <p:cNvGrpSpPr/>
+          <p:nvPr/>
+        </p:nvGrpSpPr>
+        <p:grpSpPr>
+          <a:xfrm>
+            <a:off x="3831623" y="3265465"/>
+            <a:ext cx="1764197" cy="526614"/>
+            <a:chOff x="1099896" y="748992"/>
+            <a:chExt cx="1764197" cy="526614"/>
+          </a:xfrm>
+        </p:grpSpPr>
+        <p:cxnSp>
+          <p:nvCxnSpPr>
+            <p:cNvPr id="78" name="직선 화살표 연결선 77">
+              <a:extLst>
+                <a:ext uri="{FF2B5EF4-FFF2-40B4-BE49-F238E27FC236}">
+                  <a16:creationId xmlns:a16="http://schemas.microsoft.com/office/drawing/2014/main" id="{29AA5ED2-9D52-4D1F-AF4B-9B79A0DB5BE3}"/>
+                </a:ext>
+              </a:extLst>
+            </p:cNvPr>
+            <p:cNvCxnSpPr/>
+            <p:nvPr/>
+          </p:nvCxnSpPr>
+          <p:spPr>
+            <a:xfrm>
+              <a:off x="1099897" y="1275606"/>
+              <a:ext cx="1764196" cy="0"/>
+            </a:xfrm>
+            <a:prstGeom prst="straightConnector1">
+              <a:avLst/>
+            </a:prstGeom>
+            <a:ln w="19050">
+              <a:solidFill>
+                <a:schemeClr val="tx1"/>
+              </a:solidFill>
+              <a:headEnd type="none" w="med" len="med"/>
+              <a:tailEnd type="arrow" w="med" len="med"/>
+            </a:ln>
+          </p:spPr>
+          <p:style>
+            <a:lnRef idx="1">
+              <a:schemeClr val="accent1"/>
+            </a:lnRef>
+            <a:fillRef idx="0">
+              <a:schemeClr val="accent1"/>
+            </a:fillRef>
+            <a:effectRef idx="0">
+              <a:schemeClr val="accent1"/>
+            </a:effectRef>
+            <a:fontRef idx="minor">
+              <a:schemeClr val="tx1"/>
+            </a:fontRef>
+          </p:style>
+        </p:cxnSp>
+        <p:sp>
+          <p:nvSpPr>
+            <p:cNvPr id="79" name="TextBox 78">
+              <a:extLst>
+                <a:ext uri="{FF2B5EF4-FFF2-40B4-BE49-F238E27FC236}">
+                  <a16:creationId xmlns:a16="http://schemas.microsoft.com/office/drawing/2014/main" id="{B0ADCDCB-221D-4E6F-BC22-A1B89B13A351}"/>
+                </a:ext>
+              </a:extLst>
+            </p:cNvPr>
+            <p:cNvSpPr txBox="1"/>
+            <p:nvPr/>
+          </p:nvSpPr>
+          <p:spPr>
+            <a:xfrm>
+              <a:off x="1099896" y="748992"/>
+              <a:ext cx="1764187" cy="507831"/>
+            </a:xfrm>
+            <a:prstGeom prst="rect">
+              <a:avLst/>
+            </a:prstGeom>
+            <a:noFill/>
+          </p:spPr>
+          <p:txBody>
+            <a:bodyPr wrap="square" rtlCol="0" anchor="ctr">
+              <a:spAutoFit/>
+            </a:bodyPr>
+            <a:lstStyle/>
+            <a:p>
+              <a:pPr algn="ctr"/>
+              <a:r>
+                <a:rPr lang="en-US" altLang="ko-KR" sz="900"/>
+                <a:t>10. Goto Service Provider ACS with </a:t>
+              </a:r>
+              <a:r>
+                <a:rPr lang="en-US" altLang="ko-KR" sz="900" b="1">
+                  <a:solidFill>
+                    <a:srgbClr val="C00000"/>
+                  </a:solidFill>
+                </a:rPr>
+                <a:t>SAML Response, </a:t>
+              </a:r>
+              <a:br>
+                <a:rPr lang="en-US" altLang="ko-KR" sz="900" b="1">
+                  <a:solidFill>
+                    <a:srgbClr val="C00000"/>
+                  </a:solidFill>
+                </a:rPr>
+              </a:br>
+              <a:r>
+                <a:rPr lang="en-US" altLang="ko-KR" sz="900" b="1">
+                  <a:solidFill>
+                    <a:srgbClr val="C00000"/>
+                  </a:solidFill>
+                </a:rPr>
+                <a:t>Relay State</a:t>
+              </a:r>
+              <a:r>
+                <a:rPr lang="en-US" altLang="ko-KR" sz="900">
+                  <a:solidFill>
+                    <a:srgbClr val="C00000"/>
+                  </a:solidFill>
+                </a:rPr>
+                <a:t> </a:t>
+              </a:r>
+              <a:endParaRPr lang="ko-KR" altLang="en-US" sz="900" b="1">
+                <a:solidFill>
+                  <a:srgbClr val="C00000"/>
+                </a:solidFill>
+              </a:endParaRPr>
+            </a:p>
+          </p:txBody>
+        </p:sp>
+      </p:grpSp>
+      <p:grpSp>
+        <p:nvGrpSpPr>
+          <p:cNvPr id="87" name="그룹 86">
+            <a:extLst>
+              <a:ext uri="{FF2B5EF4-FFF2-40B4-BE49-F238E27FC236}">
+                <a16:creationId xmlns:a16="http://schemas.microsoft.com/office/drawing/2014/main" id="{1DA55DE9-C432-4EE5-B456-4A15EDDD7323}"/>
+              </a:ext>
+            </a:extLst>
+          </p:cNvPr>
+          <p:cNvGrpSpPr/>
+          <p:nvPr/>
+        </p:nvGrpSpPr>
+        <p:grpSpPr>
+          <a:xfrm>
+            <a:off x="3831069" y="3796260"/>
+            <a:ext cx="1764184" cy="369332"/>
+            <a:chOff x="1099896" y="950663"/>
+            <a:chExt cx="1764197" cy="369332"/>
+          </a:xfrm>
+        </p:grpSpPr>
+        <p:cxnSp>
+          <p:nvCxnSpPr>
+            <p:cNvPr id="88" name="직선 화살표 연결선 87">
+              <a:extLst>
+                <a:ext uri="{FF2B5EF4-FFF2-40B4-BE49-F238E27FC236}">
+                  <a16:creationId xmlns:a16="http://schemas.microsoft.com/office/drawing/2014/main" id="{FC14EC64-FDBC-431D-98C9-4ED0067B113D}"/>
+                </a:ext>
+              </a:extLst>
+            </p:cNvPr>
+            <p:cNvCxnSpPr/>
+            <p:nvPr/>
+          </p:nvCxnSpPr>
+          <p:spPr>
+            <a:xfrm>
+              <a:off x="1099897" y="1275606"/>
+              <a:ext cx="1764196" cy="0"/>
+            </a:xfrm>
+            <a:prstGeom prst="straightConnector1">
+              <a:avLst/>
+            </a:prstGeom>
+            <a:ln w="19050">
+              <a:solidFill>
+                <a:schemeClr val="tx1"/>
+              </a:solidFill>
+              <a:headEnd type="arrow" w="med" len="med"/>
+              <a:tailEnd type="none" w="med" len="med"/>
+            </a:ln>
+          </p:spPr>
+          <p:style>
+            <a:lnRef idx="1">
+              <a:schemeClr val="accent1"/>
+            </a:lnRef>
+            <a:fillRef idx="0">
+              <a:schemeClr val="accent1"/>
+            </a:fillRef>
+            <a:effectRef idx="0">
+              <a:schemeClr val="accent1"/>
+            </a:effectRef>
+            <a:fontRef idx="minor">
+              <a:schemeClr val="tx1"/>
+            </a:fontRef>
+          </p:style>
+        </p:cxnSp>
+        <p:sp>
+          <p:nvSpPr>
+            <p:cNvPr id="89" name="TextBox 88">
+              <a:extLst>
+                <a:ext uri="{FF2B5EF4-FFF2-40B4-BE49-F238E27FC236}">
+                  <a16:creationId xmlns:a16="http://schemas.microsoft.com/office/drawing/2014/main" id="{7D4FD4EE-6445-47C2-A5ED-BDCBB8007A22}"/>
+                </a:ext>
+              </a:extLst>
+            </p:cNvPr>
+            <p:cNvSpPr txBox="1"/>
+            <p:nvPr/>
+          </p:nvSpPr>
+          <p:spPr>
+            <a:xfrm>
+              <a:off x="1099896" y="950663"/>
+              <a:ext cx="1764187" cy="369332"/>
+            </a:xfrm>
+            <a:prstGeom prst="rect">
+              <a:avLst/>
+            </a:prstGeom>
+            <a:noFill/>
+          </p:spPr>
+          <p:txBody>
+            <a:bodyPr wrap="square" rtlCol="0" anchor="ctr">
+              <a:spAutoFit/>
+            </a:bodyPr>
+            <a:lstStyle/>
+            <a:p>
+              <a:pPr algn="ctr"/>
+              <a:r>
+                <a:rPr lang="en-US" altLang="ko-KR" sz="900"/>
+                <a:t>11. Set Session &amp; </a:t>
+              </a:r>
+            </a:p>
+            <a:p>
+              <a:pPr algn="ctr"/>
+              <a:r>
+                <a:rPr lang="en-US" altLang="ko-KR" sz="900"/>
+                <a:t>Redirect to / Goto URL</a:t>
+              </a:r>
+              <a:endParaRPr lang="ko-KR" altLang="en-US" sz="900"/>
+            </a:p>
+          </p:txBody>
+        </p:sp>
+      </p:grpSp>
+      <p:grpSp>
+        <p:nvGrpSpPr>
+          <p:cNvPr id="90" name="그룹 89">
+            <a:extLst>
+              <a:ext uri="{FF2B5EF4-FFF2-40B4-BE49-F238E27FC236}">
+                <a16:creationId xmlns:a16="http://schemas.microsoft.com/office/drawing/2014/main" id="{74820475-709F-4A59-ADE3-0EAB109E9FFB}"/>
+              </a:ext>
+            </a:extLst>
+          </p:cNvPr>
+          <p:cNvGrpSpPr/>
+          <p:nvPr/>
+        </p:nvGrpSpPr>
+        <p:grpSpPr>
+          <a:xfrm>
+            <a:off x="3831068" y="4184007"/>
+            <a:ext cx="1764197" cy="230832"/>
+            <a:chOff x="1099896" y="1044774"/>
+            <a:chExt cx="1764197" cy="230832"/>
+          </a:xfrm>
+        </p:grpSpPr>
+        <p:cxnSp>
+          <p:nvCxnSpPr>
+            <p:cNvPr id="91" name="직선 화살표 연결선 90">
+              <a:extLst>
+                <a:ext uri="{FF2B5EF4-FFF2-40B4-BE49-F238E27FC236}">
+                  <a16:creationId xmlns:a16="http://schemas.microsoft.com/office/drawing/2014/main" id="{1E62E661-5CAA-406D-900E-278E6112DC1E}"/>
+                </a:ext>
+              </a:extLst>
+            </p:cNvPr>
+            <p:cNvCxnSpPr/>
+            <p:nvPr/>
+          </p:nvCxnSpPr>
+          <p:spPr>
+            <a:xfrm>
+              <a:off x="1099897" y="1275606"/>
+              <a:ext cx="1764196" cy="0"/>
+            </a:xfrm>
+            <a:prstGeom prst="straightConnector1">
+              <a:avLst/>
+            </a:prstGeom>
+            <a:ln w="19050">
+              <a:solidFill>
+                <a:schemeClr val="tx1"/>
+              </a:solidFill>
+              <a:headEnd type="none" w="med" len="med"/>
+              <a:tailEnd type="arrow" w="med" len="med"/>
+            </a:ln>
+          </p:spPr>
+          <p:style>
+            <a:lnRef idx="1">
+              <a:schemeClr val="accent1"/>
+            </a:lnRef>
+            <a:fillRef idx="0">
+              <a:schemeClr val="accent1"/>
+            </a:fillRef>
+            <a:effectRef idx="0">
+              <a:schemeClr val="accent1"/>
+            </a:effectRef>
+            <a:fontRef idx="minor">
+              <a:schemeClr val="tx1"/>
+            </a:fontRef>
+          </p:style>
+        </p:cxnSp>
+        <p:sp>
+          <p:nvSpPr>
+            <p:cNvPr id="92" name="TextBox 91">
+              <a:extLst>
+                <a:ext uri="{FF2B5EF4-FFF2-40B4-BE49-F238E27FC236}">
+                  <a16:creationId xmlns:a16="http://schemas.microsoft.com/office/drawing/2014/main" id="{B84945B4-C976-4409-A354-5A1C4329655E}"/>
+                </a:ext>
+              </a:extLst>
+            </p:cNvPr>
+            <p:cNvSpPr txBox="1"/>
+            <p:nvPr/>
+          </p:nvSpPr>
+          <p:spPr>
+            <a:xfrm>
+              <a:off x="1099896" y="1044774"/>
+              <a:ext cx="1764187" cy="230832"/>
+            </a:xfrm>
+            <a:prstGeom prst="rect">
+              <a:avLst/>
+            </a:prstGeom>
+            <a:noFill/>
+          </p:spPr>
+          <p:txBody>
+            <a:bodyPr wrap="square" rtlCol="0" anchor="ctr">
+              <a:spAutoFit/>
+            </a:bodyPr>
+            <a:lstStyle/>
+            <a:p>
+              <a:pPr algn="ctr"/>
+              <a:r>
+                <a:rPr lang="en-US" altLang="ko-KR" sz="900"/>
+                <a:t>12. Goto URL</a:t>
+              </a:r>
+              <a:endParaRPr lang="ko-KR" altLang="en-US" sz="900"/>
+            </a:p>
+          </p:txBody>
+        </p:sp>
+      </p:grpSp>
+      <p:grpSp>
+        <p:nvGrpSpPr>
+          <p:cNvPr id="100" name="그룹 99">
+            <a:extLst>
+              <a:ext uri="{FF2B5EF4-FFF2-40B4-BE49-F238E27FC236}">
+                <a16:creationId xmlns:a16="http://schemas.microsoft.com/office/drawing/2014/main" id="{9BD4060E-C6B9-418B-AE57-F76879DEAD61}"/>
+              </a:ext>
+            </a:extLst>
+          </p:cNvPr>
+          <p:cNvGrpSpPr/>
+          <p:nvPr/>
+        </p:nvGrpSpPr>
+        <p:grpSpPr>
+          <a:xfrm>
+            <a:off x="3831068" y="4472644"/>
+            <a:ext cx="1764184" cy="230832"/>
+            <a:chOff x="1099896" y="1044774"/>
+            <a:chExt cx="1764197" cy="230832"/>
+          </a:xfrm>
+        </p:grpSpPr>
+        <p:cxnSp>
+          <p:nvCxnSpPr>
+            <p:cNvPr id="101" name="직선 화살표 연결선 100">
+              <a:extLst>
+                <a:ext uri="{FF2B5EF4-FFF2-40B4-BE49-F238E27FC236}">
+                  <a16:creationId xmlns:a16="http://schemas.microsoft.com/office/drawing/2014/main" id="{5C6C0F04-63B3-4ABD-99B9-6E18BCFC3DEA}"/>
+                </a:ext>
+              </a:extLst>
+            </p:cNvPr>
+            <p:cNvCxnSpPr/>
+            <p:nvPr/>
+          </p:nvCxnSpPr>
+          <p:spPr>
+            <a:xfrm>
+              <a:off x="1099897" y="1275606"/>
+              <a:ext cx="1764196" cy="0"/>
+            </a:xfrm>
+            <a:prstGeom prst="straightConnector1">
+              <a:avLst/>
+            </a:prstGeom>
+            <a:ln w="19050">
+              <a:solidFill>
+                <a:schemeClr val="tx1"/>
+              </a:solidFill>
+              <a:headEnd type="arrow" w="med" len="med"/>
+              <a:tailEnd type="none" w="med" len="med"/>
+            </a:ln>
+          </p:spPr>
+          <p:style>
+            <a:lnRef idx="1">
+              <a:schemeClr val="accent1"/>
+            </a:lnRef>
+            <a:fillRef idx="0">
+              <a:schemeClr val="accent1"/>
+            </a:fillRef>
+            <a:effectRef idx="0">
+              <a:schemeClr val="accent1"/>
+            </a:effectRef>
+            <a:fontRef idx="minor">
+              <a:schemeClr val="tx1"/>
+            </a:fontRef>
+          </p:style>
+        </p:cxnSp>
+        <p:sp>
+          <p:nvSpPr>
+            <p:cNvPr id="102" name="TextBox 101">
+              <a:extLst>
+                <a:ext uri="{FF2B5EF4-FFF2-40B4-BE49-F238E27FC236}">
+                  <a16:creationId xmlns:a16="http://schemas.microsoft.com/office/drawing/2014/main" id="{8938BF92-BD5E-44F9-8BE8-FA53A8758B2C}"/>
+                </a:ext>
+              </a:extLst>
+            </p:cNvPr>
+            <p:cNvSpPr txBox="1"/>
+            <p:nvPr/>
+          </p:nvSpPr>
+          <p:spPr>
+            <a:xfrm>
+              <a:off x="1099896" y="1044774"/>
+              <a:ext cx="1764187" cy="230832"/>
+            </a:xfrm>
+            <a:prstGeom prst="rect">
+              <a:avLst/>
+            </a:prstGeom>
+            <a:noFill/>
+          </p:spPr>
+          <p:txBody>
+            <a:bodyPr wrap="square" rtlCol="0" anchor="ctr">
+              <a:spAutoFit/>
+            </a:bodyPr>
+            <a:lstStyle/>
+            <a:p>
+              <a:pPr algn="ctr"/>
+              <a:r>
+                <a:rPr lang="en-US" altLang="ko-KR" sz="900"/>
+                <a:t>13. Present Service</a:t>
+              </a:r>
+              <a:endParaRPr lang="ko-KR" altLang="en-US" sz="900"/>
+            </a:p>
+          </p:txBody>
+        </p:sp>
+      </p:grpSp>
+      <p:grpSp>
+        <p:nvGrpSpPr>
+          <p:cNvPr id="103" name="그룹 102">
+            <a:extLst>
+              <a:ext uri="{FF2B5EF4-FFF2-40B4-BE49-F238E27FC236}">
+                <a16:creationId xmlns:a16="http://schemas.microsoft.com/office/drawing/2014/main" id="{4DBB0F47-07AB-44BD-9984-1959111AF83F}"/>
+              </a:ext>
+            </a:extLst>
+          </p:cNvPr>
+          <p:cNvGrpSpPr/>
+          <p:nvPr/>
+        </p:nvGrpSpPr>
+        <p:grpSpPr>
+          <a:xfrm>
+            <a:off x="2066884" y="4767981"/>
+            <a:ext cx="1764184" cy="230832"/>
+            <a:chOff x="1099896" y="1044774"/>
+            <a:chExt cx="1764197" cy="230832"/>
+          </a:xfrm>
+        </p:grpSpPr>
+        <p:cxnSp>
+          <p:nvCxnSpPr>
+            <p:cNvPr id="104" name="직선 화살표 연결선 103">
+              <a:extLst>
+                <a:ext uri="{FF2B5EF4-FFF2-40B4-BE49-F238E27FC236}">
+                  <a16:creationId xmlns:a16="http://schemas.microsoft.com/office/drawing/2014/main" id="{1917FDA2-81B9-48EE-9501-9D953CFECAA2}"/>
+                </a:ext>
+              </a:extLst>
+            </p:cNvPr>
+            <p:cNvCxnSpPr/>
+            <p:nvPr/>
+          </p:nvCxnSpPr>
+          <p:spPr>
+            <a:xfrm>
+              <a:off x="1099897" y="1275606"/>
+              <a:ext cx="1764196" cy="0"/>
+            </a:xfrm>
+            <a:prstGeom prst="straightConnector1">
+              <a:avLst/>
+            </a:prstGeom>
+            <a:ln w="19050">
+              <a:solidFill>
+                <a:schemeClr val="tx1"/>
+              </a:solidFill>
+              <a:headEnd type="arrow" w="med" len="med"/>
+              <a:tailEnd type="none" w="med" len="med"/>
+            </a:ln>
+          </p:spPr>
+          <p:style>
+            <a:lnRef idx="1">
+              <a:schemeClr val="accent1"/>
+            </a:lnRef>
+            <a:fillRef idx="0">
+              <a:schemeClr val="accent1"/>
+            </a:fillRef>
+            <a:effectRef idx="0">
+              <a:schemeClr val="accent1"/>
+            </a:effectRef>
+            <a:fontRef idx="minor">
+              <a:schemeClr val="tx1"/>
+            </a:fontRef>
+          </p:style>
+        </p:cxnSp>
+        <p:sp>
+          <p:nvSpPr>
+            <p:cNvPr id="105" name="TextBox 104">
+              <a:extLst>
+                <a:ext uri="{FF2B5EF4-FFF2-40B4-BE49-F238E27FC236}">
+                  <a16:creationId xmlns:a16="http://schemas.microsoft.com/office/drawing/2014/main" id="{51352054-3CA8-4014-B114-D19DABEE2311}"/>
+                </a:ext>
+              </a:extLst>
+            </p:cNvPr>
+            <p:cNvSpPr txBox="1"/>
+            <p:nvPr/>
+          </p:nvSpPr>
+          <p:spPr>
+            <a:xfrm>
+              <a:off x="1099896" y="1044774"/>
+              <a:ext cx="1764187" cy="230832"/>
+            </a:xfrm>
+            <a:prstGeom prst="rect">
+              <a:avLst/>
+            </a:prstGeom>
+            <a:noFill/>
+          </p:spPr>
+          <p:txBody>
+            <a:bodyPr wrap="square" rtlCol="0" anchor="ctr">
+              <a:spAutoFit/>
+            </a:bodyPr>
+            <a:lstStyle/>
+            <a:p>
+              <a:pPr algn="ctr"/>
+              <a:r>
+                <a:rPr lang="en-US" altLang="ko-KR" sz="900"/>
+                <a:t>14. Show Service</a:t>
+              </a:r>
+              <a:endParaRPr lang="ko-KR" altLang="en-US" sz="900"/>
+            </a:p>
+          </p:txBody>
+        </p:sp>
+      </p:grpSp>
+      <p:sp>
+        <p:nvSpPr>
+          <p:cNvPr id="73" name="TextBox 72">
+            <a:extLst>
+              <a:ext uri="{FF2B5EF4-FFF2-40B4-BE49-F238E27FC236}">
+                <a16:creationId xmlns:a16="http://schemas.microsoft.com/office/drawing/2014/main" id="{90DD89F3-7540-4A14-9ADF-2ACD0457BFE0}"/>
+              </a:ext>
+            </a:extLst>
+          </p:cNvPr>
+          <p:cNvSpPr txBox="1"/>
+          <p:nvPr/>
+        </p:nvSpPr>
+        <p:spPr>
+          <a:xfrm>
+            <a:off x="6027567" y="1192669"/>
+            <a:ext cx="900091" cy="230832"/>
+          </a:xfrm>
+          <a:prstGeom prst="rect">
+            <a:avLst/>
+          </a:prstGeom>
+          <a:noFill/>
+        </p:spPr>
+        <p:txBody>
+          <a:bodyPr wrap="square" rtlCol="0" anchor="ctr">
+            <a:spAutoFit/>
+          </a:bodyPr>
+          <a:lstStyle/>
+          <a:p>
+            <a:pPr algn="ctr"/>
+            <a:r>
+              <a:rPr lang="en-US" altLang="ko-KR" sz="900" b="1">
+                <a:solidFill>
+                  <a:schemeClr val="tx2"/>
+                </a:solidFill>
+              </a:rPr>
+              <a:t>URL Query</a:t>
+            </a:r>
+            <a:endParaRPr lang="ko-KR" altLang="en-US" sz="900" b="1" dirty="0">
+              <a:solidFill>
+                <a:schemeClr val="tx2"/>
+              </a:solidFill>
+            </a:endParaRPr>
+          </a:p>
+        </p:txBody>
+      </p:sp>
+      <p:sp>
+        <p:nvSpPr>
+          <p:cNvPr id="80" name="TextBox 79">
+            <a:extLst>
+              <a:ext uri="{FF2B5EF4-FFF2-40B4-BE49-F238E27FC236}">
+                <a16:creationId xmlns:a16="http://schemas.microsoft.com/office/drawing/2014/main" id="{4EF87CF3-BBD1-4728-BD5A-2C9F352803CA}"/>
+              </a:ext>
+            </a:extLst>
+          </p:cNvPr>
+          <p:cNvSpPr txBox="1"/>
+          <p:nvPr/>
+        </p:nvSpPr>
+        <p:spPr>
+          <a:xfrm>
+            <a:off x="6027567" y="3440175"/>
+            <a:ext cx="900091" cy="230832"/>
+          </a:xfrm>
+          <a:prstGeom prst="rect">
+            <a:avLst/>
+          </a:prstGeom>
+          <a:noFill/>
+        </p:spPr>
+        <p:txBody>
+          <a:bodyPr wrap="square" rtlCol="0" anchor="ctr">
+            <a:spAutoFit/>
+          </a:bodyPr>
+          <a:lstStyle/>
+          <a:p>
+            <a:pPr algn="ctr"/>
+            <a:r>
+              <a:rPr lang="en-US" altLang="ko-KR" sz="900" b="1">
+                <a:solidFill>
+                  <a:srgbClr val="C00000"/>
+                </a:solidFill>
+              </a:rPr>
+              <a:t>POST Body</a:t>
+            </a:r>
+            <a:endParaRPr lang="ko-KR" altLang="en-US" sz="900" b="1" dirty="0">
+              <a:solidFill>
+                <a:srgbClr val="C00000"/>
+              </a:solidFill>
+            </a:endParaRPr>
+          </a:p>
+        </p:txBody>
+      </p:sp>
+    </p:spTree>
+    <p:extLst>
+      <p:ext uri="{BB962C8B-B14F-4D97-AF65-F5344CB8AC3E}">
+        <p14:creationId xmlns:p14="http://schemas.microsoft.com/office/powerpoint/2010/main" val="4281173530"/>
+      </p:ext>
+    </p:extLst>
+  </p:cSld>
+  <p:clrMapOvr>
+    <a:masterClrMapping/>
+  </p:clrMapOvr>
+</p:sld>
+</file>
+
+<file path=ppt/slides/slide3.xml><?xml version="1.0" encoding="utf-8"?>
+<p:sld xmlns:a="http://schemas.openxmlformats.org/drawingml/2006/main" xmlns:r="http://schemas.openxmlformats.org/officeDocument/2006/relationships" xmlns:p="http://schemas.openxmlformats.org/presentationml/2006/main">
+  <p:cSld>
+    <p:spTree>
+      <p:nvGrpSpPr>
+        <p:cNvPr id="1" name=""/>
+        <p:cNvGrpSpPr/>
+        <p:nvPr/>
+      </p:nvGrpSpPr>
+      <p:grpSpPr>
+        <a:xfrm>
+          <a:off x="0" y="0"/>
+          <a:ext cx="0" cy="0"/>
+          <a:chOff x="0" y="0"/>
+          <a:chExt cx="0" cy="0"/>
+        </a:xfrm>
+      </p:grpSpPr>
+      <p:sp>
+        <p:nvSpPr>
+          <p:cNvPr id="2" name="제목 1">
+            <a:extLst>
+              <a:ext uri="{FF2B5EF4-FFF2-40B4-BE49-F238E27FC236}">
+                <a16:creationId xmlns:a16="http://schemas.microsoft.com/office/drawing/2014/main" id="{DF3C678C-3708-4D8B-8CF8-C892775BD14A}"/>
+              </a:ext>
+            </a:extLst>
+          </p:cNvPr>
+          <p:cNvSpPr>
+            <a:spLocks noGrp="1"/>
+          </p:cNvSpPr>
+          <p:nvPr>
+            <p:ph type="title"/>
+          </p:nvPr>
+        </p:nvSpPr>
+        <p:spPr/>
+        <p:txBody>
+          <a:bodyPr/>
+          <a:lstStyle/>
+          <a:p>
+            <a:endParaRPr lang="ko-KR" altLang="en-US"/>
+          </a:p>
+        </p:txBody>
+      </p:sp>
+    </p:spTree>
+    <p:extLst>
+      <p:ext uri="{BB962C8B-B14F-4D97-AF65-F5344CB8AC3E}">
+        <p14:creationId xmlns:p14="http://schemas.microsoft.com/office/powerpoint/2010/main" val="1249643512"/>
+      </p:ext>
+    </p:extLst>
+  </p:cSld>
+  <p:clrMapOvr>
+    <a:masterClrMapping/>
+  </p:clrMapOvr>
+</p:sld>
+</file>
+
+<file path=ppt/slides/slide4.xml><?xml version="1.0" encoding="utf-8"?>
+<p:sld xmlns:a="http://schemas.openxmlformats.org/drawingml/2006/main" xmlns:r="http://schemas.openxmlformats.org/officeDocument/2006/relationships" xmlns:p="http://schemas.openxmlformats.org/presentationml/2006/main">
+  <p:cSld>
+    <p:spTree>
+      <p:nvGrpSpPr>
+        <p:cNvPr id="1" name=""/>
+        <p:cNvGrpSpPr/>
+        <p:nvPr/>
+      </p:nvGrpSpPr>
+      <p:grpSpPr>
+        <a:xfrm>
+          <a:off x="0" y="0"/>
+          <a:ext cx="0" cy="0"/>
+          <a:chOff x="0" y="0"/>
+          <a:chExt cx="0" cy="0"/>
+        </a:xfrm>
+      </p:grpSpPr>
+      <p:sp>
+        <p:nvSpPr>
+          <p:cNvPr id="2" name="제목 1"/>
+          <p:cNvSpPr>
+            <a:spLocks noGrp="1"/>
+          </p:cNvSpPr>
+          <p:nvPr>
+            <p:ph type="title"/>
+          </p:nvPr>
+        </p:nvSpPr>
+        <p:spPr>
+          <a:xfrm>
             <a:off x="457200" y="-302910"/>
             <a:ext cx="8229600" cy="720080"/>
           </a:xfrm>
@@ -5744,7 +7920,7 @@
     </p:spTree>
     <p:extLst>
       <p:ext uri="{BB962C8B-B14F-4D97-AF65-F5344CB8AC3E}">
-        <p14:creationId xmlns:p14="http://schemas.microsoft.com/office/powerpoint/2010/main" val="4281173530"/>
+        <p14:creationId xmlns:p14="http://schemas.microsoft.com/office/powerpoint/2010/main" val="4289435167"/>
       </p:ext>
     </p:extLst>
   </p:cSld>
@@ -5754,62 +7930,7 @@
 </p:sld>
 </file>
 
-<file path=ppt/slides/slide3.xml><?xml version="1.0" encoding="utf-8"?>
-<p:sld xmlns:a="http://schemas.openxmlformats.org/drawingml/2006/main" xmlns:r="http://schemas.openxmlformats.org/officeDocument/2006/relationships" xmlns:p="http://schemas.openxmlformats.org/presentationml/2006/main">
-  <p:cSld>
-    <p:spTree>
-      <p:nvGrpSpPr>
-        <p:cNvPr id="1" name=""/>
-        <p:cNvGrpSpPr/>
-        <p:nvPr/>
-      </p:nvGrpSpPr>
-      <p:grpSpPr>
-        <a:xfrm>
-          <a:off x="0" y="0"/>
-          <a:ext cx="0" cy="0"/>
-          <a:chOff x="0" y="0"/>
-          <a:chExt cx="0" cy="0"/>
-        </a:xfrm>
-      </p:grpSpPr>
-      <p:sp>
-        <p:nvSpPr>
-          <p:cNvPr id="2" name="제목 1">
-            <a:extLst>
-              <a:ext uri="{FF2B5EF4-FFF2-40B4-BE49-F238E27FC236}">
-                <a16:creationId xmlns:a16="http://schemas.microsoft.com/office/drawing/2014/main" id="{DF3C678C-3708-4D8B-8CF8-C892775BD14A}"/>
-              </a:ext>
-            </a:extLst>
-          </p:cNvPr>
-          <p:cNvSpPr>
-            <a:spLocks noGrp="1"/>
-          </p:cNvSpPr>
-          <p:nvPr>
-            <p:ph type="title"/>
-          </p:nvPr>
-        </p:nvSpPr>
-        <p:spPr/>
-        <p:txBody>
-          <a:bodyPr/>
-          <a:lstStyle/>
-          <a:p>
-            <a:endParaRPr lang="ko-KR" altLang="en-US"/>
-          </a:p>
-        </p:txBody>
-      </p:sp>
-    </p:spTree>
-    <p:extLst>
-      <p:ext uri="{BB962C8B-B14F-4D97-AF65-F5344CB8AC3E}">
-        <p14:creationId xmlns:p14="http://schemas.microsoft.com/office/powerpoint/2010/main" val="1249643512"/>
-      </p:ext>
-    </p:extLst>
-  </p:cSld>
-  <p:clrMapOvr>
-    <a:masterClrMapping/>
-  </p:clrMapOvr>
-</p:sld>
-</file>
-
-<file path=ppt/slides/slide4.xml><?xml version="1.0" encoding="utf-8"?>
+<file path=ppt/slides/slide5.xml><?xml version="1.0" encoding="utf-8"?>
 <p:sld xmlns:a="http://schemas.openxmlformats.org/drawingml/2006/main" xmlns:r="http://schemas.openxmlformats.org/officeDocument/2006/relationships" xmlns:p="http://schemas.openxmlformats.org/presentationml/2006/main">
   <p:cSld>
     <p:spTree>
@@ -7191,7 +9312,7 @@
 </p:sld>
 </file>
 
-<file path=ppt/slides/slide5.xml><?xml version="1.0" encoding="utf-8"?>
+<file path=ppt/slides/slide6.xml><?xml version="1.0" encoding="utf-8"?>
 <p:sld xmlns:a="http://schemas.openxmlformats.org/drawingml/2006/main" xmlns:r="http://schemas.openxmlformats.org/officeDocument/2006/relationships" xmlns:p="http://schemas.openxmlformats.org/presentationml/2006/main">
   <p:cSld>
     <p:spTree>
